--- a/report/中間報告改2.pptx
+++ b/report/中間報告改2.pptx
@@ -6,10 +6,10 @@
     <p:sldMasterId id="2147483696" r:id="rId2"/>
   </p:sldMasterIdLst>
   <p:notesMasterIdLst>
-    <p:notesMasterId r:id="rId18"/>
+    <p:notesMasterId r:id="rId19"/>
   </p:notesMasterIdLst>
   <p:handoutMasterIdLst>
-    <p:handoutMasterId r:id="rId19"/>
+    <p:handoutMasterId r:id="rId20"/>
   </p:handoutMasterIdLst>
   <p:sldIdLst>
     <p:sldId id="272" r:id="rId3"/>
@@ -18,15 +18,16 @@
     <p:sldId id="293" r:id="rId6"/>
     <p:sldId id="277" r:id="rId7"/>
     <p:sldId id="274" r:id="rId8"/>
-    <p:sldId id="284" r:id="rId9"/>
-    <p:sldId id="279" r:id="rId10"/>
-    <p:sldId id="287" r:id="rId11"/>
-    <p:sldId id="286" r:id="rId12"/>
-    <p:sldId id="288" r:id="rId13"/>
-    <p:sldId id="292" r:id="rId14"/>
-    <p:sldId id="289" r:id="rId15"/>
-    <p:sldId id="290" r:id="rId16"/>
-    <p:sldId id="291" r:id="rId17"/>
+    <p:sldId id="294" r:id="rId9"/>
+    <p:sldId id="284" r:id="rId10"/>
+    <p:sldId id="279" r:id="rId11"/>
+    <p:sldId id="287" r:id="rId12"/>
+    <p:sldId id="286" r:id="rId13"/>
+    <p:sldId id="288" r:id="rId14"/>
+    <p:sldId id="292" r:id="rId15"/>
+    <p:sldId id="289" r:id="rId16"/>
+    <p:sldId id="290" r:id="rId17"/>
+    <p:sldId id="291" r:id="rId18"/>
   </p:sldIdLst>
   <p:sldSz cx="9144000" cy="6858000" type="screen4x3"/>
   <p:notesSz cx="6858000" cy="9144000"/>
@@ -552,11 +553,11 @@
           <c:showBubbleSize val="0"/>
         </c:dLbls>
         <c:gapWidth val="65"/>
-        <c:axId val="301480480"/>
-        <c:axId val="301481040"/>
+        <c:axId val="251145136"/>
+        <c:axId val="251145696"/>
       </c:barChart>
       <c:catAx>
-        <c:axId val="301480480"/>
+        <c:axId val="251145136"/>
         <c:scaling>
           <c:orientation val="minMax"/>
         </c:scaling>
@@ -566,7 +567,7 @@
         <c:majorTickMark val="out"/>
         <c:minorTickMark val="none"/>
         <c:tickLblPos val="nextTo"/>
-        <c:crossAx val="301481040"/>
+        <c:crossAx val="251145696"/>
         <c:crosses val="autoZero"/>
         <c:auto val="1"/>
         <c:lblAlgn val="ctr"/>
@@ -574,7 +575,7 @@
         <c:noMultiLvlLbl val="0"/>
       </c:catAx>
       <c:valAx>
-        <c:axId val="301481040"/>
+        <c:axId val="251145696"/>
         <c:scaling>
           <c:orientation val="minMax"/>
         </c:scaling>
@@ -584,7 +585,7 @@
         <c:majorTickMark val="out"/>
         <c:minorTickMark val="none"/>
         <c:tickLblPos val="nextTo"/>
-        <c:crossAx val="301480480"/>
+        <c:crossAx val="251145136"/>
         <c:crosses val="autoZero"/>
         <c:crossBetween val="between"/>
       </c:valAx>
@@ -1063,11 +1064,11 @@
           <c:showBubbleSize val="0"/>
         </c:dLbls>
         <c:gapWidth val="65"/>
-        <c:axId val="301486640"/>
-        <c:axId val="301487200"/>
+        <c:axId val="316990240"/>
+        <c:axId val="316990800"/>
       </c:barChart>
       <c:catAx>
-        <c:axId val="301486640"/>
+        <c:axId val="316990240"/>
         <c:scaling>
           <c:orientation val="minMax"/>
         </c:scaling>
@@ -1077,7 +1078,7 @@
         <c:majorTickMark val="none"/>
         <c:minorTickMark val="none"/>
         <c:tickLblPos val="nextTo"/>
-        <c:crossAx val="301487200"/>
+        <c:crossAx val="316990800"/>
         <c:crosses val="autoZero"/>
         <c:auto val="1"/>
         <c:lblAlgn val="ctr"/>
@@ -1085,7 +1086,7 @@
         <c:noMultiLvlLbl val="0"/>
       </c:catAx>
       <c:valAx>
-        <c:axId val="301487200"/>
+        <c:axId val="316990800"/>
         <c:scaling>
           <c:orientation val="minMax"/>
         </c:scaling>
@@ -1095,7 +1096,7 @@
         <c:majorTickMark val="none"/>
         <c:minorTickMark val="none"/>
         <c:tickLblPos val="nextTo"/>
-        <c:crossAx val="301486640"/>
+        <c:crossAx val="316990240"/>
         <c:crosses val="autoZero"/>
         <c:crossBetween val="between"/>
       </c:valAx>
@@ -2466,7 +2467,7 @@
                 <a:latin typeface="Meiryo UI" panose="020B0604030504040204" pitchFamily="50" charset="-128"/>
                 <a:ea typeface="Meiryo UI" panose="020B0604030504040204" pitchFamily="50" charset="-128"/>
               </a:rPr>
-              <a:t>2017年11月12日</a:t>
+              <a:t>2017年11月13日</a:t>
             </a:fld>
             <a:endParaRPr kumimoji="1" lang="ja-JP" altLang="en-US" dirty="0">
               <a:latin typeface="Meiryo UI" panose="020B0604030504040204" pitchFamily="50" charset="-128"/>
@@ -2650,7 +2651,7 @@
             <a:fld id="{EECA54F6-A409-4052-BA8C-D33E3AF8AD29}" type="datetime4">
               <a:rPr lang="ja-JP" altLang="en-US" smtClean="0"/>
               <a:pPr/>
-              <a:t>2017年11月12日</a:t>
+              <a:t>2017年11月13日</a:t>
             </a:fld>
             <a:endParaRPr lang="ja-JP" altLang="en-US" dirty="0"/>
           </a:p>
@@ -3465,7 +3466,7 @@
             <a:pPr rtl="0"/>
             <a:fld id="{B2C1A0A2-8001-4323-9DFF-A17CA2EE2813}" type="datetime4">
               <a:rPr lang="ja-JP" altLang="en-US" smtClean="0"/>
-              <a:t>2017年11月12日</a:t>
+              <a:t>2017年11月13日</a:t>
             </a:fld>
             <a:endParaRPr lang="en-US" dirty="0"/>
           </a:p>
@@ -3694,7 +3695,7 @@
             <a:pPr rtl="0"/>
             <a:fld id="{73124AA6-6845-47A1-B4E7-C90D571DEBF7}" type="datetime4">
               <a:rPr lang="ja-JP" altLang="en-US" smtClean="0"/>
-              <a:t>2017年11月12日</a:t>
+              <a:t>2017年11月13日</a:t>
             </a:fld>
             <a:endParaRPr lang="en-US" dirty="0"/>
           </a:p>
@@ -3926,7 +3927,7 @@
             <a:pPr rtl="0"/>
             <a:fld id="{20492761-91B8-43FC-85F5-A34B67B0255B}" type="datetime4">
               <a:rPr lang="ja-JP" altLang="en-US" smtClean="0"/>
-              <a:t>2017年11月12日</a:t>
+              <a:t>2017年11月13日</a:t>
             </a:fld>
             <a:endParaRPr lang="en-US" dirty="0"/>
           </a:p>
@@ -4136,7 +4137,7 @@
           <a:p>
             <a:fld id="{F2BAA19E-CA7C-4C9F-8155-5CE608E42AE7}" type="datetimeFigureOut">
               <a:rPr kumimoji="1" lang="ja-JP" altLang="en-US" smtClean="0"/>
-              <a:t>2017/11/12</a:t>
+              <a:t>2017/11/13</a:t>
             </a:fld>
             <a:endParaRPr kumimoji="1" lang="ja-JP" altLang="en-US"/>
           </a:p>
@@ -4338,7 +4339,7 @@
           <a:p>
             <a:fld id="{F2BAA19E-CA7C-4C9F-8155-5CE608E42AE7}" type="datetimeFigureOut">
               <a:rPr kumimoji="1" lang="ja-JP" altLang="en-US" smtClean="0"/>
-              <a:t>2017/11/12</a:t>
+              <a:t>2017/11/13</a:t>
             </a:fld>
             <a:endParaRPr kumimoji="1" lang="ja-JP" altLang="en-US"/>
           </a:p>
@@ -4584,7 +4585,7 @@
           <a:p>
             <a:fld id="{F2BAA19E-CA7C-4C9F-8155-5CE608E42AE7}" type="datetimeFigureOut">
               <a:rPr kumimoji="1" lang="ja-JP" altLang="en-US" smtClean="0"/>
-              <a:t>2017/11/12</a:t>
+              <a:t>2017/11/13</a:t>
             </a:fld>
             <a:endParaRPr kumimoji="1" lang="ja-JP" altLang="en-US"/>
           </a:p>
@@ -4880,7 +4881,7 @@
           <a:p>
             <a:fld id="{F2BAA19E-CA7C-4C9F-8155-5CE608E42AE7}" type="datetimeFigureOut">
               <a:rPr kumimoji="1" lang="ja-JP" altLang="en-US" smtClean="0"/>
-              <a:t>2017/11/12</a:t>
+              <a:t>2017/11/13</a:t>
             </a:fld>
             <a:endParaRPr kumimoji="1" lang="ja-JP" altLang="en-US"/>
           </a:p>
@@ -5311,7 +5312,7 @@
           <a:p>
             <a:fld id="{F2BAA19E-CA7C-4C9F-8155-5CE608E42AE7}" type="datetimeFigureOut">
               <a:rPr kumimoji="1" lang="ja-JP" altLang="en-US" smtClean="0"/>
-              <a:t>2017/11/12</a:t>
+              <a:t>2017/11/13</a:t>
             </a:fld>
             <a:endParaRPr kumimoji="1" lang="ja-JP" altLang="en-US"/>
           </a:p>
@@ -5429,7 +5430,7 @@
           <a:p>
             <a:fld id="{F2BAA19E-CA7C-4C9F-8155-5CE608E42AE7}" type="datetimeFigureOut">
               <a:rPr kumimoji="1" lang="ja-JP" altLang="en-US" smtClean="0"/>
-              <a:t>2017/11/12</a:t>
+              <a:t>2017/11/13</a:t>
             </a:fld>
             <a:endParaRPr kumimoji="1" lang="ja-JP" altLang="en-US"/>
           </a:p>
@@ -5524,7 +5525,7 @@
           <a:p>
             <a:fld id="{F2BAA19E-CA7C-4C9F-8155-5CE608E42AE7}" type="datetimeFigureOut">
               <a:rPr kumimoji="1" lang="ja-JP" altLang="en-US" smtClean="0"/>
-              <a:t>2017/11/12</a:t>
+              <a:t>2017/11/13</a:t>
             </a:fld>
             <a:endParaRPr kumimoji="1" lang="ja-JP" altLang="en-US"/>
           </a:p>
@@ -5833,7 +5834,7 @@
           <a:p>
             <a:fld id="{F2BAA19E-CA7C-4C9F-8155-5CE608E42AE7}" type="datetimeFigureOut">
               <a:rPr kumimoji="1" lang="ja-JP" altLang="en-US" smtClean="0"/>
-              <a:t>2017/11/12</a:t>
+              <a:t>2017/11/13</a:t>
             </a:fld>
             <a:endParaRPr kumimoji="1" lang="ja-JP" altLang="en-US"/>
           </a:p>
@@ -6042,7 +6043,7 @@
             <a:pPr rtl="0"/>
             <a:fld id="{FA56627C-26B8-4A23-849C-3C12828FFC15}" type="datetime4">
               <a:rPr lang="ja-JP" altLang="en-US" smtClean="0"/>
-              <a:t>2017年11月12日</a:t>
+              <a:t>2017年11月13日</a:t>
             </a:fld>
             <a:endParaRPr lang="en-US" dirty="0"/>
           </a:p>
@@ -6320,7 +6321,7 @@
           <a:p>
             <a:fld id="{F2BAA19E-CA7C-4C9F-8155-5CE608E42AE7}" type="datetimeFigureOut">
               <a:rPr kumimoji="1" lang="ja-JP" altLang="en-US" smtClean="0"/>
-              <a:t>2017/11/12</a:t>
+              <a:t>2017/11/13</a:t>
             </a:fld>
             <a:endParaRPr kumimoji="1" lang="ja-JP" altLang="en-US"/>
           </a:p>
@@ -6522,7 +6523,7 @@
           <a:p>
             <a:fld id="{F2BAA19E-CA7C-4C9F-8155-5CE608E42AE7}" type="datetimeFigureOut">
               <a:rPr kumimoji="1" lang="ja-JP" altLang="en-US" smtClean="0"/>
-              <a:t>2017/11/12</a:t>
+              <a:t>2017/11/13</a:t>
             </a:fld>
             <a:endParaRPr kumimoji="1" lang="ja-JP" altLang="en-US"/>
           </a:p>
@@ -6734,7 +6735,7 @@
           <a:p>
             <a:fld id="{F2BAA19E-CA7C-4C9F-8155-5CE608E42AE7}" type="datetimeFigureOut">
               <a:rPr kumimoji="1" lang="ja-JP" altLang="en-US" smtClean="0"/>
-              <a:t>2017/11/12</a:t>
+              <a:t>2017/11/13</a:t>
             </a:fld>
             <a:endParaRPr kumimoji="1" lang="ja-JP" altLang="en-US"/>
           </a:p>
@@ -6969,7 +6970,7 @@
             <a:pPr rtl="0"/>
             <a:fld id="{91D6F0CA-9BFB-488E-B5D0-5D21D6862E06}" type="datetime4">
               <a:rPr lang="ja-JP" altLang="en-US" smtClean="0"/>
-              <a:t>2017年11月12日</a:t>
+              <a:t>2017年11月13日</a:t>
             </a:fld>
             <a:endParaRPr lang="en-US" dirty="0"/>
           </a:p>
@@ -7322,7 +7323,7 @@
             <a:pPr rtl="0"/>
             <a:fld id="{2C9D1301-ED00-4180-8127-283CEF916F75}" type="datetime4">
               <a:rPr lang="ja-JP" altLang="en-US" smtClean="0"/>
-              <a:t>2017年11月12日</a:t>
+              <a:t>2017年11月13日</a:t>
             </a:fld>
             <a:endParaRPr lang="en-US" dirty="0"/>
           </a:p>
@@ -7789,7 +7790,7 @@
             <a:pPr rtl="0"/>
             <a:fld id="{CFE678A6-C78A-49B2-851A-225E22C7B3DD}" type="datetime4">
               <a:rPr lang="ja-JP" altLang="en-US" smtClean="0"/>
-              <a:t>2017年11月12日</a:t>
+              <a:t>2017年11月13日</a:t>
             </a:fld>
             <a:endParaRPr lang="en-US" dirty="0"/>
           </a:p>
@@ -7964,7 +7965,7 @@
             <a:pPr rtl="0"/>
             <a:fld id="{BAA4D57A-1280-4E81-A376-D2C279A2CC99}" type="datetime4">
               <a:rPr lang="ja-JP" altLang="en-US" smtClean="0"/>
-              <a:t>2017年11月12日</a:t>
+              <a:t>2017年11月13日</a:t>
             </a:fld>
             <a:endParaRPr lang="en-US"/>
           </a:p>
@@ -8078,7 +8079,7 @@
             <a:pPr rtl="0"/>
             <a:fld id="{8070F893-98DB-4EC8-B578-D3E27E1E32F0}" type="datetime4">
               <a:rPr lang="ja-JP" altLang="en-US" smtClean="0"/>
-              <a:t>2017年11月12日</a:t>
+              <a:t>2017年11月13日</a:t>
             </a:fld>
             <a:endParaRPr lang="en-US" dirty="0"/>
           </a:p>
@@ -8396,7 +8397,7 @@
             <a:pPr rtl="0"/>
             <a:fld id="{0B7F7CB0-3BA5-410A-9426-CBB21570BB24}" type="datetime4">
               <a:rPr lang="ja-JP" altLang="en-US" smtClean="0"/>
-              <a:t>2017年11月12日</a:t>
+              <a:t>2017年11月13日</a:t>
             </a:fld>
             <a:endParaRPr lang="en-US" dirty="0"/>
           </a:p>
@@ -8756,7 +8757,7 @@
             <a:pPr rtl="0"/>
             <a:fld id="{2A8AAB0F-7F68-41E6-AD7A-54EC41D0FF7C}" type="datetime4">
               <a:rPr lang="ja-JP" altLang="en-US" smtClean="0"/>
-              <a:t>2017年11月12日</a:t>
+              <a:t>2017年11月13日</a:t>
             </a:fld>
             <a:endParaRPr lang="en-US"/>
           </a:p>
@@ -9829,7 +9830,7 @@
           <a:p>
             <a:fld id="{03F80FDE-B057-41F9-AFEA-4BA3F1745C17}" type="datetime4">
               <a:rPr lang="ja-JP" altLang="en-US" smtClean="0"/>
-              <a:t>2017年11月12日</a:t>
+              <a:t>2017年11月13日</a:t>
             </a:fld>
             <a:endParaRPr lang="en-US" dirty="0"/>
           </a:p>
@@ -10447,7 +10448,7 @@
           <a:p>
             <a:fld id="{F2BAA19E-CA7C-4C9F-8155-5CE608E42AE7}" type="datetimeFigureOut">
               <a:rPr kumimoji="1" lang="ja-JP" altLang="en-US" smtClean="0"/>
-              <a:t>2017/11/12</a:t>
+              <a:t>2017/11/13</a:t>
             </a:fld>
             <a:endParaRPr kumimoji="1" lang="ja-JP" altLang="en-US"/>
           </a:p>
@@ -11048,8 +11049,8 @@
           <a:lstStyle/>
           <a:p>
             <a:r>
-              <a:rPr kumimoji="1" lang="ja-JP" altLang="en-US" dirty="0" smtClean="0"/>
-              <a:t>誕生年代</a:t>
+              <a:rPr lang="ja-JP" altLang="en-US" dirty="0" smtClean="0"/>
+              <a:t>性別</a:t>
             </a:r>
             <a:endParaRPr kumimoji="1" lang="ja-JP" altLang="en-US" dirty="0"/>
           </a:p>
@@ -11073,7 +11074,7 @@
             <a:pPr rtl="0"/>
             <a:fld id="{FA56627C-26B8-4A23-849C-3C12828FFC15}" type="datetime4">
               <a:rPr lang="ja-JP" altLang="en-US" smtClean="0"/>
-              <a:t>2017年11月12日</a:t>
+              <a:t>2017年11月13日</a:t>
             </a:fld>
             <a:endParaRPr lang="en-US" dirty="0"/>
           </a:p>
@@ -11129,6 +11130,210 @@
       </p:sp>
       <p:sp>
         <p:nvSpPr>
+          <p:cNvPr id="8" name="コンテンツ プレースホルダー 2"/>
+          <p:cNvSpPr>
+            <a:spLocks noGrp="1"/>
+          </p:cNvSpPr>
+          <p:nvPr>
+            <p:ph idx="1"/>
+          </p:nvPr>
+        </p:nvSpPr>
+        <p:spPr>
+          <a:xfrm>
+            <a:off x="3564610" y="1051948"/>
+            <a:ext cx="5122190" cy="507990"/>
+          </a:xfrm>
+        </p:spPr>
+        <p:txBody>
+          <a:bodyPr>
+            <a:noAutofit/>
+          </a:bodyPr>
+          <a:lstStyle/>
+          <a:p>
+            <a:r>
+              <a:rPr kumimoji="1" lang="ja-JP" altLang="en-US" sz="2000" dirty="0" smtClean="0"/>
+              <a:t>基本的に女性が多い</a:t>
+            </a:r>
+            <a:endParaRPr kumimoji="1" lang="ja-JP" altLang="en-US" sz="2000" dirty="0"/>
+          </a:p>
+        </p:txBody>
+      </p:sp>
+      <p:pic>
+        <p:nvPicPr>
+          <p:cNvPr id="3" name="図 2"/>
+          <p:cNvPicPr>
+            <a:picLocks noChangeAspect="1"/>
+          </p:cNvPicPr>
+          <p:nvPr/>
+        </p:nvPicPr>
+        <p:blipFill>
+          <a:blip r:embed="rId2" cstate="print">
+            <a:extLst>
+              <a:ext uri="{28A0092B-C50C-407E-A947-70E740481C1C}">
+                <a14:useLocalDpi xmlns:a14="http://schemas.microsoft.com/office/drawing/2010/main" val="0"/>
+              </a:ext>
+            </a:extLst>
+          </a:blip>
+          <a:stretch>
+            <a:fillRect/>
+          </a:stretch>
+        </p:blipFill>
+        <p:spPr>
+          <a:xfrm>
+            <a:off x="662400" y="1742400"/>
+            <a:ext cx="7820713" cy="4827600"/>
+          </a:xfrm>
+          <a:prstGeom prst="rect">
+            <a:avLst/>
+          </a:prstGeom>
+        </p:spPr>
+      </p:pic>
+    </p:spTree>
+    <p:extLst>
+      <p:ext uri="{BB962C8B-B14F-4D97-AF65-F5344CB8AC3E}">
+        <p14:creationId xmlns:p14="http://schemas.microsoft.com/office/powerpoint/2010/main" val="1063758896"/>
+      </p:ext>
+    </p:extLst>
+  </p:cSld>
+  <p:clrMapOvr>
+    <a:masterClrMapping/>
+  </p:clrMapOvr>
+  <mc:AlternateContent xmlns:mc="http://schemas.openxmlformats.org/markup-compatibility/2006" xmlns:p14="http://schemas.microsoft.com/office/powerpoint/2010/main">
+    <mc:Choice Requires="p14">
+      <p:transition spd="med" p14:dur="700">
+        <p:fade/>
+      </p:transition>
+    </mc:Choice>
+    <mc:Fallback xmlns="">
+      <p:transition spd="med">
+        <p:fade/>
+      </p:transition>
+    </mc:Fallback>
+  </mc:AlternateContent>
+  <p:timing>
+    <p:tnLst>
+      <p:par>
+        <p:cTn id="1" dur="indefinite" restart="never" nodeType="tmRoot"/>
+      </p:par>
+    </p:tnLst>
+  </p:timing>
+</p:sld>
+</file>
+
+<file path=ppt/slides/slide11.xml><?xml version="1.0" encoding="utf-8"?>
+<p:sld xmlns:a="http://schemas.openxmlformats.org/drawingml/2006/main" xmlns:r="http://schemas.openxmlformats.org/officeDocument/2006/relationships" xmlns:p="http://schemas.openxmlformats.org/presentationml/2006/main">
+  <p:cSld>
+    <p:spTree>
+      <p:nvGrpSpPr>
+        <p:cNvPr id="1" name=""/>
+        <p:cNvGrpSpPr/>
+        <p:nvPr/>
+      </p:nvGrpSpPr>
+      <p:grpSpPr>
+        <a:xfrm>
+          <a:off x="0" y="0"/>
+          <a:ext cx="0" cy="0"/>
+          <a:chOff x="0" y="0"/>
+          <a:chExt cx="0" cy="0"/>
+        </a:xfrm>
+      </p:grpSpPr>
+      <p:sp>
+        <p:nvSpPr>
+          <p:cNvPr id="2" name="タイトル 1"/>
+          <p:cNvSpPr>
+            <a:spLocks noGrp="1"/>
+          </p:cNvSpPr>
+          <p:nvPr>
+            <p:ph type="title"/>
+          </p:nvPr>
+        </p:nvSpPr>
+        <p:spPr/>
+        <p:txBody>
+          <a:bodyPr/>
+          <a:lstStyle/>
+          <a:p>
+            <a:r>
+              <a:rPr kumimoji="1" lang="ja-JP" altLang="en-US" dirty="0" smtClean="0"/>
+              <a:t>年代</a:t>
+            </a:r>
+            <a:endParaRPr kumimoji="1" lang="ja-JP" altLang="en-US" dirty="0"/>
+          </a:p>
+        </p:txBody>
+      </p:sp>
+      <p:sp>
+        <p:nvSpPr>
+          <p:cNvPr id="4" name="日付プレースホルダー 3"/>
+          <p:cNvSpPr>
+            <a:spLocks noGrp="1"/>
+          </p:cNvSpPr>
+          <p:nvPr>
+            <p:ph type="dt" sz="half" idx="10"/>
+          </p:nvPr>
+        </p:nvSpPr>
+        <p:spPr/>
+        <p:txBody>
+          <a:bodyPr/>
+          <a:lstStyle/>
+          <a:p>
+            <a:pPr rtl="0"/>
+            <a:fld id="{FA56627C-26B8-4A23-849C-3C12828FFC15}" type="datetime4">
+              <a:rPr lang="ja-JP" altLang="en-US" smtClean="0"/>
+              <a:t>2017年11月13日</a:t>
+            </a:fld>
+            <a:endParaRPr lang="en-US" dirty="0"/>
+          </a:p>
+        </p:txBody>
+      </p:sp>
+      <p:sp>
+        <p:nvSpPr>
+          <p:cNvPr id="5" name="フッター プレースホルダー 4"/>
+          <p:cNvSpPr>
+            <a:spLocks noGrp="1"/>
+          </p:cNvSpPr>
+          <p:nvPr>
+            <p:ph type="ftr" sz="quarter" idx="11"/>
+          </p:nvPr>
+        </p:nvSpPr>
+        <p:spPr/>
+        <p:txBody>
+          <a:bodyPr/>
+          <a:lstStyle/>
+          <a:p>
+            <a:pPr rtl="0"/>
+            <a:r>
+              <a:rPr lang="ja-JP" altLang="en-US" noProof="0" smtClean="0"/>
+              <a:t>チーム葛飾</a:t>
+            </a:r>
+            <a:endParaRPr lang="ja-JP" altLang="en-US" noProof="0" dirty="0"/>
+          </a:p>
+        </p:txBody>
+      </p:sp>
+      <p:sp>
+        <p:nvSpPr>
+          <p:cNvPr id="6" name="スライド番号プレースホルダー 5"/>
+          <p:cNvSpPr>
+            <a:spLocks noGrp="1"/>
+          </p:cNvSpPr>
+          <p:nvPr>
+            <p:ph type="sldNum" sz="quarter" idx="12"/>
+          </p:nvPr>
+        </p:nvSpPr>
+        <p:spPr/>
+        <p:txBody>
+          <a:bodyPr/>
+          <a:lstStyle/>
+          <a:p>
+            <a:pPr rtl="0"/>
+            <a:fld id="{401CF334-2D5C-4859-84A6-CA7E6E43FAEB}" type="slidenum">
+              <a:rPr lang="en-US" altLang="ja-JP" noProof="0" smtClean="0"/>
+              <a:t>11</a:t>
+            </a:fld>
+            <a:endParaRPr lang="ja-JP" altLang="en-US" noProof="0" dirty="0"/>
+          </a:p>
+        </p:txBody>
+      </p:sp>
+      <p:sp>
+        <p:nvSpPr>
           <p:cNvPr id="10" name="コンテンツ プレースホルダー 2"/>
           <p:cNvSpPr txBox="1">
             <a:spLocks/>
@@ -11137,8 +11342,8 @@
         </p:nvSpPr>
         <p:spPr>
           <a:xfrm>
-            <a:off x="3928820" y="836484"/>
-            <a:ext cx="5005953" cy="1255787"/>
+            <a:off x="4233620" y="1040324"/>
+            <a:ext cx="5005953" cy="445576"/>
           </a:xfrm>
           <a:prstGeom prst="rect">
             <a:avLst/>
@@ -11333,50 +11538,34 @@
             </a:lvl9pPr>
           </a:lstStyle>
           <a:p>
-            <a:r>
-              <a:rPr lang="ja-JP" altLang="en-US" sz="1950" dirty="0"/>
-              <a:t>初回来店店舗をお気に入り店舗と仮定して、店舗ごとの顧客の誕生年代</a:t>
-            </a:r>
-            <a:endParaRPr lang="en-US" altLang="ja-JP" sz="1950" dirty="0"/>
-          </a:p>
-          <a:p>
-            <a:r>
-              <a:rPr lang="en-US" altLang="ja-JP" sz="1950" dirty="0"/>
-              <a:t>30</a:t>
-            </a:r>
-            <a:r>
-              <a:rPr lang="ja-JP" altLang="en-US" sz="1950" dirty="0"/>
-              <a:t>代</a:t>
-            </a:r>
-            <a:r>
-              <a:rPr lang="en-US" altLang="ja-JP" sz="1950" dirty="0"/>
-              <a:t>-50</a:t>
-            </a:r>
-            <a:r>
-              <a:rPr lang="ja-JP" altLang="en-US" sz="1950" dirty="0"/>
-              <a:t>代が多い</a:t>
-            </a:r>
+            <a:endParaRPr lang="ja-JP" altLang="en-US" sz="1950" dirty="0"/>
           </a:p>
         </p:txBody>
       </p:sp>
       <p:pic>
         <p:nvPicPr>
-          <p:cNvPr id="12" name="図 11"/>
+          <p:cNvPr id="3" name="図 2"/>
           <p:cNvPicPr>
             <a:picLocks noChangeAspect="1"/>
           </p:cNvPicPr>
           <p:nvPr/>
         </p:nvPicPr>
         <p:blipFill>
-          <a:blip r:embed="rId2"/>
+          <a:blip r:embed="rId2" cstate="print">
+            <a:extLst>
+              <a:ext uri="{28A0092B-C50C-407E-A947-70E740481C1C}">
+                <a14:useLocalDpi xmlns:a14="http://schemas.microsoft.com/office/drawing/2010/main" val="0"/>
+              </a:ext>
+            </a:extLst>
+          </a:blip>
           <a:stretch>
             <a:fillRect/>
           </a:stretch>
         </p:blipFill>
         <p:spPr>
           <a:xfrm>
-            <a:off x="564524" y="1996572"/>
-            <a:ext cx="7360276" cy="4542342"/>
+            <a:off x="662400" y="1742400"/>
+            <a:ext cx="7820713" cy="4827600"/>
           </a:xfrm>
           <a:prstGeom prst="rect">
             <a:avLst/>
@@ -11415,7 +11604,7 @@
 </p:sld>
 </file>
 
-<file path=ppt/slides/slide11.xml><?xml version="1.0" encoding="utf-8"?>
+<file path=ppt/slides/slide12.xml><?xml version="1.0" encoding="utf-8"?>
 <p:sld xmlns:a="http://schemas.openxmlformats.org/drawingml/2006/main" xmlns:r="http://schemas.openxmlformats.org/officeDocument/2006/relationships" xmlns:p="http://schemas.openxmlformats.org/presentationml/2006/main">
   <p:cSld>
     <p:spTree>
@@ -11473,7 +11662,7 @@
             <a:pPr rtl="0"/>
             <a:fld id="{FA56627C-26B8-4A23-849C-3C12828FFC15}" type="datetime4">
               <a:rPr lang="ja-JP" altLang="en-US" smtClean="0"/>
-              <a:t>2017年11月12日</a:t>
+              <a:t>2017年11月13日</a:t>
             </a:fld>
             <a:endParaRPr lang="en-US" dirty="0"/>
           </a:p>
@@ -11521,7 +11710,7 @@
             <a:pPr rtl="0"/>
             <a:fld id="{401CF334-2D5C-4859-84A6-CA7E6E43FAEB}" type="slidenum">
               <a:rPr lang="en-US" altLang="ja-JP" noProof="0" smtClean="0"/>
-              <a:t>11</a:t>
+              <a:t>12</a:t>
             </a:fld>
             <a:endParaRPr lang="ja-JP" altLang="en-US" noProof="0" dirty="0"/>
           </a:p>
@@ -11583,7 +11772,7 @@
 </p:sld>
 </file>
 
-<file path=ppt/slides/slide12.xml><?xml version="1.0" encoding="utf-8"?>
+<file path=ppt/slides/slide13.xml><?xml version="1.0" encoding="utf-8"?>
 <p:sld xmlns:a="http://schemas.openxmlformats.org/drawingml/2006/main" xmlns:r="http://schemas.openxmlformats.org/officeDocument/2006/relationships" xmlns:p="http://schemas.openxmlformats.org/presentationml/2006/main">
   <p:cSld>
     <p:spTree>
@@ -11666,7 +11855,7 @@
             <a:pPr rtl="0"/>
             <a:fld id="{FA56627C-26B8-4A23-849C-3C12828FFC15}" type="datetime4">
               <a:rPr lang="ja-JP" altLang="en-US" smtClean="0"/>
-              <a:t>2017年11月12日</a:t>
+              <a:t>2017年11月13日</a:t>
             </a:fld>
             <a:endParaRPr lang="en-US" dirty="0"/>
           </a:p>
@@ -11714,7 +11903,7 @@
             <a:pPr rtl="0"/>
             <a:fld id="{401CF334-2D5C-4859-84A6-CA7E6E43FAEB}" type="slidenum">
               <a:rPr lang="en-US" altLang="ja-JP" noProof="0" smtClean="0"/>
-              <a:t>12</a:t>
+              <a:t>13</a:t>
             </a:fld>
             <a:endParaRPr lang="ja-JP" altLang="en-US" noProof="0" dirty="0"/>
           </a:p>
@@ -11844,248 +12033,6 @@
     <p:extLst>
       <p:ext uri="{BB962C8B-B14F-4D97-AF65-F5344CB8AC3E}">
         <p14:creationId xmlns:p14="http://schemas.microsoft.com/office/powerpoint/2010/main" val="3024868308"/>
-      </p:ext>
-    </p:extLst>
-  </p:cSld>
-  <p:clrMapOvr>
-    <a:masterClrMapping/>
-  </p:clrMapOvr>
-  <mc:AlternateContent xmlns:mc="http://schemas.openxmlformats.org/markup-compatibility/2006" xmlns:p14="http://schemas.microsoft.com/office/powerpoint/2010/main">
-    <mc:Choice Requires="p14">
-      <p:transition spd="med" p14:dur="700">
-        <p:fade/>
-      </p:transition>
-    </mc:Choice>
-    <mc:Fallback xmlns="">
-      <p:transition spd="med">
-        <p:fade/>
-      </p:transition>
-    </mc:Fallback>
-  </mc:AlternateContent>
-  <p:timing>
-    <p:tnLst>
-      <p:par>
-        <p:cTn id="1" dur="indefinite" restart="never" nodeType="tmRoot"/>
-      </p:par>
-    </p:tnLst>
-  </p:timing>
-</p:sld>
-</file>
-
-<file path=ppt/slides/slide13.xml><?xml version="1.0" encoding="utf-8"?>
-<p:sld xmlns:a="http://schemas.openxmlformats.org/drawingml/2006/main" xmlns:r="http://schemas.openxmlformats.org/officeDocument/2006/relationships" xmlns:p="http://schemas.openxmlformats.org/presentationml/2006/main">
-  <p:cSld>
-    <p:spTree>
-      <p:nvGrpSpPr>
-        <p:cNvPr id="1" name=""/>
-        <p:cNvGrpSpPr/>
-        <p:nvPr/>
-      </p:nvGrpSpPr>
-      <p:grpSpPr>
-        <a:xfrm>
-          <a:off x="0" y="0"/>
-          <a:ext cx="0" cy="0"/>
-          <a:chOff x="0" y="0"/>
-          <a:chExt cx="0" cy="0"/>
-        </a:xfrm>
-      </p:grpSpPr>
-      <p:sp>
-        <p:nvSpPr>
-          <p:cNvPr id="2" name="タイトル 1"/>
-          <p:cNvSpPr>
-            <a:spLocks noGrp="1"/>
-          </p:cNvSpPr>
-          <p:nvPr>
-            <p:ph type="title"/>
-          </p:nvPr>
-        </p:nvSpPr>
-        <p:spPr/>
-        <p:txBody>
-          <a:bodyPr/>
-          <a:lstStyle/>
-          <a:p>
-            <a:r>
-              <a:rPr kumimoji="1" lang="ja-JP" altLang="en-US" dirty="0" smtClean="0"/>
-              <a:t>施策</a:t>
-            </a:r>
-            <a:endParaRPr kumimoji="1" lang="ja-JP" altLang="en-US" dirty="0"/>
-          </a:p>
-        </p:txBody>
-      </p:sp>
-      <p:sp>
-        <p:nvSpPr>
-          <p:cNvPr id="3" name="コンテンツ プレースホルダー 2"/>
-          <p:cNvSpPr>
-            <a:spLocks noGrp="1"/>
-          </p:cNvSpPr>
-          <p:nvPr>
-            <p:ph idx="1"/>
-          </p:nvPr>
-        </p:nvSpPr>
-        <p:spPr/>
-        <p:txBody>
-          <a:bodyPr/>
-          <a:lstStyle/>
-          <a:p>
-            <a:pPr marL="0" indent="0">
-              <a:buNone/>
-            </a:pPr>
-            <a:r>
-              <a:rPr lang="ja-JP" altLang="en-US" sz="2700" b="1" dirty="0"/>
-              <a:t>平日限定定額制クーポンを打ち出す！！</a:t>
-            </a:r>
-            <a:endParaRPr lang="en-US" altLang="ja-JP" sz="2700" b="1" dirty="0"/>
-          </a:p>
-          <a:p>
-            <a:pPr marL="0" indent="0">
-              <a:buNone/>
-            </a:pPr>
-            <a:endParaRPr lang="en-US" altLang="ja-JP" sz="2700" b="1" dirty="0"/>
-          </a:p>
-          <a:p>
-            <a:pPr marL="0" indent="0">
-              <a:buNone/>
-            </a:pPr>
-            <a:endParaRPr lang="en-US" altLang="ja-JP" sz="2700" b="1" dirty="0"/>
-          </a:p>
-          <a:p>
-            <a:pPr marL="0" indent="0">
-              <a:buNone/>
-            </a:pPr>
-            <a:endParaRPr lang="en-US" altLang="ja-JP" sz="2700" b="1" dirty="0"/>
-          </a:p>
-          <a:p>
-            <a:pPr marL="0" indent="0">
-              <a:buNone/>
-            </a:pPr>
-            <a:r>
-              <a:rPr lang="ja-JP" altLang="en-US" sz="2700" b="1" dirty="0"/>
-              <a:t>平日に人がたくさん来てくれる！！</a:t>
-            </a:r>
-            <a:endParaRPr lang="en-US" altLang="ja-JP" sz="2700" b="1" dirty="0"/>
-          </a:p>
-          <a:p>
-            <a:pPr marL="0" indent="0">
-              <a:buNone/>
-            </a:pPr>
-            <a:endParaRPr kumimoji="1" lang="ja-JP" altLang="en-US" dirty="0"/>
-          </a:p>
-        </p:txBody>
-      </p:sp>
-      <p:sp>
-        <p:nvSpPr>
-          <p:cNvPr id="4" name="日付プレースホルダー 3"/>
-          <p:cNvSpPr>
-            <a:spLocks noGrp="1"/>
-          </p:cNvSpPr>
-          <p:nvPr>
-            <p:ph type="dt" sz="half" idx="10"/>
-          </p:nvPr>
-        </p:nvSpPr>
-        <p:spPr/>
-        <p:txBody>
-          <a:bodyPr/>
-          <a:lstStyle/>
-          <a:p>
-            <a:pPr rtl="0"/>
-            <a:fld id="{FA56627C-26B8-4A23-849C-3C12828FFC15}" type="datetime4">
-              <a:rPr lang="ja-JP" altLang="en-US" smtClean="0"/>
-              <a:t>2017年11月12日</a:t>
-            </a:fld>
-            <a:endParaRPr lang="en-US" dirty="0"/>
-          </a:p>
-        </p:txBody>
-      </p:sp>
-      <p:sp>
-        <p:nvSpPr>
-          <p:cNvPr id="5" name="フッター プレースホルダー 4"/>
-          <p:cNvSpPr>
-            <a:spLocks noGrp="1"/>
-          </p:cNvSpPr>
-          <p:nvPr>
-            <p:ph type="ftr" sz="quarter" idx="11"/>
-          </p:nvPr>
-        </p:nvSpPr>
-        <p:spPr/>
-        <p:txBody>
-          <a:bodyPr/>
-          <a:lstStyle/>
-          <a:p>
-            <a:pPr rtl="0"/>
-            <a:r>
-              <a:rPr lang="ja-JP" altLang="en-US" noProof="0" smtClean="0"/>
-              <a:t>チーム葛飾</a:t>
-            </a:r>
-            <a:endParaRPr lang="ja-JP" altLang="en-US" noProof="0" dirty="0"/>
-          </a:p>
-        </p:txBody>
-      </p:sp>
-      <p:sp>
-        <p:nvSpPr>
-          <p:cNvPr id="6" name="スライド番号プレースホルダー 5"/>
-          <p:cNvSpPr>
-            <a:spLocks noGrp="1"/>
-          </p:cNvSpPr>
-          <p:nvPr>
-            <p:ph type="sldNum" sz="quarter" idx="12"/>
-          </p:nvPr>
-        </p:nvSpPr>
-        <p:spPr/>
-        <p:txBody>
-          <a:bodyPr/>
-          <a:lstStyle/>
-          <a:p>
-            <a:pPr rtl="0"/>
-            <a:fld id="{401CF334-2D5C-4859-84A6-CA7E6E43FAEB}" type="slidenum">
-              <a:rPr lang="en-US" altLang="ja-JP" noProof="0" smtClean="0"/>
-              <a:t>13</a:t>
-            </a:fld>
-            <a:endParaRPr lang="ja-JP" altLang="en-US" noProof="0" dirty="0"/>
-          </a:p>
-        </p:txBody>
-      </p:sp>
-      <p:sp>
-        <p:nvSpPr>
-          <p:cNvPr id="7" name="下矢印 6"/>
-          <p:cNvSpPr/>
-          <p:nvPr/>
-        </p:nvSpPr>
-        <p:spPr>
-          <a:xfrm>
-            <a:off x="2906857" y="3125067"/>
-            <a:ext cx="974148" cy="787110"/>
-          </a:xfrm>
-          <a:prstGeom prst="downArrow">
-            <a:avLst/>
-          </a:prstGeom>
-        </p:spPr>
-        <p:style>
-          <a:lnRef idx="1">
-            <a:schemeClr val="accent3"/>
-          </a:lnRef>
-          <a:fillRef idx="2">
-            <a:schemeClr val="accent3"/>
-          </a:fillRef>
-          <a:effectRef idx="1">
-            <a:schemeClr val="accent3"/>
-          </a:effectRef>
-          <a:fontRef idx="minor">
-            <a:schemeClr val="dk1"/>
-          </a:fontRef>
-        </p:style>
-        <p:txBody>
-          <a:bodyPr rtlCol="0" anchor="ctr"/>
-          <a:lstStyle/>
-          <a:p>
-            <a:pPr algn="ctr"/>
-            <a:endParaRPr kumimoji="1" lang="ja-JP" altLang="en-US" sz="1350"/>
-          </a:p>
-        </p:txBody>
-      </p:sp>
-    </p:spTree>
-    <p:extLst>
-      <p:ext uri="{BB962C8B-B14F-4D97-AF65-F5344CB8AC3E}">
-        <p14:creationId xmlns:p14="http://schemas.microsoft.com/office/powerpoint/2010/main" val="3263537181"/>
       </p:ext>
     </p:extLst>
   </p:cSld>
@@ -12148,8 +12095,68 @@
           <a:p>
             <a:r>
               <a:rPr kumimoji="1" lang="ja-JP" altLang="en-US" dirty="0" smtClean="0"/>
-              <a:t>施策のモデル</a:t>
-            </a:r>
+              <a:t>施策</a:t>
+            </a:r>
+            <a:endParaRPr kumimoji="1" lang="ja-JP" altLang="en-US" dirty="0"/>
+          </a:p>
+        </p:txBody>
+      </p:sp>
+      <p:sp>
+        <p:nvSpPr>
+          <p:cNvPr id="3" name="コンテンツ プレースホルダー 2"/>
+          <p:cNvSpPr>
+            <a:spLocks noGrp="1"/>
+          </p:cNvSpPr>
+          <p:nvPr>
+            <p:ph idx="1"/>
+          </p:nvPr>
+        </p:nvSpPr>
+        <p:spPr/>
+        <p:txBody>
+          <a:bodyPr/>
+          <a:lstStyle/>
+          <a:p>
+            <a:pPr marL="0" indent="0">
+              <a:buNone/>
+            </a:pPr>
+            <a:r>
+              <a:rPr lang="ja-JP" altLang="en-US" sz="2700" b="1" dirty="0"/>
+              <a:t>平日限定定額制クーポンを打ち出す！！</a:t>
+            </a:r>
+            <a:endParaRPr lang="en-US" altLang="ja-JP" sz="2700" b="1" dirty="0"/>
+          </a:p>
+          <a:p>
+            <a:pPr marL="0" indent="0">
+              <a:buNone/>
+            </a:pPr>
+            <a:endParaRPr lang="en-US" altLang="ja-JP" sz="2700" b="1" dirty="0"/>
+          </a:p>
+          <a:p>
+            <a:pPr marL="0" indent="0">
+              <a:buNone/>
+            </a:pPr>
+            <a:endParaRPr lang="en-US" altLang="ja-JP" sz="2700" b="1" dirty="0"/>
+          </a:p>
+          <a:p>
+            <a:pPr marL="0" indent="0">
+              <a:buNone/>
+            </a:pPr>
+            <a:endParaRPr lang="en-US" altLang="ja-JP" sz="2700" b="1" dirty="0"/>
+          </a:p>
+          <a:p>
+            <a:pPr marL="0" indent="0">
+              <a:buNone/>
+            </a:pPr>
+            <a:r>
+              <a:rPr lang="ja-JP" altLang="en-US" sz="2700" b="1" dirty="0"/>
+              <a:t>平日に人がたくさん来てくれる！！</a:t>
+            </a:r>
+            <a:endParaRPr lang="en-US" altLang="ja-JP" sz="2700" b="1" dirty="0"/>
+          </a:p>
+          <a:p>
+            <a:pPr marL="0" indent="0">
+              <a:buNone/>
+            </a:pPr>
             <a:endParaRPr kumimoji="1" lang="ja-JP" altLang="en-US" dirty="0"/>
           </a:p>
         </p:txBody>
@@ -12172,7 +12179,7 @@
             <a:pPr rtl="0"/>
             <a:fld id="{FA56627C-26B8-4A23-849C-3C12828FFC15}" type="datetime4">
               <a:rPr lang="ja-JP" altLang="en-US" smtClean="0"/>
-              <a:t>2017年11月12日</a:t>
+              <a:t>2017年11月13日</a:t>
             </a:fld>
             <a:endParaRPr lang="en-US" dirty="0"/>
           </a:p>
@@ -12221,6 +12228,188 @@
             <a:fld id="{401CF334-2D5C-4859-84A6-CA7E6E43FAEB}" type="slidenum">
               <a:rPr lang="en-US" altLang="ja-JP" noProof="0" smtClean="0"/>
               <a:t>14</a:t>
+            </a:fld>
+            <a:endParaRPr lang="ja-JP" altLang="en-US" noProof="0" dirty="0"/>
+          </a:p>
+        </p:txBody>
+      </p:sp>
+      <p:sp>
+        <p:nvSpPr>
+          <p:cNvPr id="7" name="下矢印 6"/>
+          <p:cNvSpPr/>
+          <p:nvPr/>
+        </p:nvSpPr>
+        <p:spPr>
+          <a:xfrm>
+            <a:off x="2906857" y="3125067"/>
+            <a:ext cx="974148" cy="787110"/>
+          </a:xfrm>
+          <a:prstGeom prst="downArrow">
+            <a:avLst/>
+          </a:prstGeom>
+        </p:spPr>
+        <p:style>
+          <a:lnRef idx="1">
+            <a:schemeClr val="accent3"/>
+          </a:lnRef>
+          <a:fillRef idx="2">
+            <a:schemeClr val="accent3"/>
+          </a:fillRef>
+          <a:effectRef idx="1">
+            <a:schemeClr val="accent3"/>
+          </a:effectRef>
+          <a:fontRef idx="minor">
+            <a:schemeClr val="dk1"/>
+          </a:fontRef>
+        </p:style>
+        <p:txBody>
+          <a:bodyPr rtlCol="0" anchor="ctr"/>
+          <a:lstStyle/>
+          <a:p>
+            <a:pPr algn="ctr"/>
+            <a:endParaRPr kumimoji="1" lang="ja-JP" altLang="en-US" sz="1350"/>
+          </a:p>
+        </p:txBody>
+      </p:sp>
+    </p:spTree>
+    <p:extLst>
+      <p:ext uri="{BB962C8B-B14F-4D97-AF65-F5344CB8AC3E}">
+        <p14:creationId xmlns:p14="http://schemas.microsoft.com/office/powerpoint/2010/main" val="3263537181"/>
+      </p:ext>
+    </p:extLst>
+  </p:cSld>
+  <p:clrMapOvr>
+    <a:masterClrMapping/>
+  </p:clrMapOvr>
+  <mc:AlternateContent xmlns:mc="http://schemas.openxmlformats.org/markup-compatibility/2006" xmlns:p14="http://schemas.microsoft.com/office/powerpoint/2010/main">
+    <mc:Choice Requires="p14">
+      <p:transition spd="med" p14:dur="700">
+        <p:fade/>
+      </p:transition>
+    </mc:Choice>
+    <mc:Fallback xmlns="">
+      <p:transition spd="med">
+        <p:fade/>
+      </p:transition>
+    </mc:Fallback>
+  </mc:AlternateContent>
+  <p:timing>
+    <p:tnLst>
+      <p:par>
+        <p:cTn id="1" dur="indefinite" restart="never" nodeType="tmRoot"/>
+      </p:par>
+    </p:tnLst>
+  </p:timing>
+</p:sld>
+</file>
+
+<file path=ppt/slides/slide15.xml><?xml version="1.0" encoding="utf-8"?>
+<p:sld xmlns:a="http://schemas.openxmlformats.org/drawingml/2006/main" xmlns:r="http://schemas.openxmlformats.org/officeDocument/2006/relationships" xmlns:p="http://schemas.openxmlformats.org/presentationml/2006/main">
+  <p:cSld>
+    <p:spTree>
+      <p:nvGrpSpPr>
+        <p:cNvPr id="1" name=""/>
+        <p:cNvGrpSpPr/>
+        <p:nvPr/>
+      </p:nvGrpSpPr>
+      <p:grpSpPr>
+        <a:xfrm>
+          <a:off x="0" y="0"/>
+          <a:ext cx="0" cy="0"/>
+          <a:chOff x="0" y="0"/>
+          <a:chExt cx="0" cy="0"/>
+        </a:xfrm>
+      </p:grpSpPr>
+      <p:sp>
+        <p:nvSpPr>
+          <p:cNvPr id="2" name="タイトル 1"/>
+          <p:cNvSpPr>
+            <a:spLocks noGrp="1"/>
+          </p:cNvSpPr>
+          <p:nvPr>
+            <p:ph type="title"/>
+          </p:nvPr>
+        </p:nvSpPr>
+        <p:spPr/>
+        <p:txBody>
+          <a:bodyPr/>
+          <a:lstStyle/>
+          <a:p>
+            <a:r>
+              <a:rPr kumimoji="1" lang="ja-JP" altLang="en-US" dirty="0" smtClean="0"/>
+              <a:t>施策のモデル</a:t>
+            </a:r>
+            <a:endParaRPr kumimoji="1" lang="ja-JP" altLang="en-US" dirty="0"/>
+          </a:p>
+        </p:txBody>
+      </p:sp>
+      <p:sp>
+        <p:nvSpPr>
+          <p:cNvPr id="4" name="日付プレースホルダー 3"/>
+          <p:cNvSpPr>
+            <a:spLocks noGrp="1"/>
+          </p:cNvSpPr>
+          <p:nvPr>
+            <p:ph type="dt" sz="half" idx="10"/>
+          </p:nvPr>
+        </p:nvSpPr>
+        <p:spPr/>
+        <p:txBody>
+          <a:bodyPr/>
+          <a:lstStyle/>
+          <a:p>
+            <a:pPr rtl="0"/>
+            <a:fld id="{FA56627C-26B8-4A23-849C-3C12828FFC15}" type="datetime4">
+              <a:rPr lang="ja-JP" altLang="en-US" smtClean="0"/>
+              <a:t>2017年11月13日</a:t>
+            </a:fld>
+            <a:endParaRPr lang="en-US" dirty="0"/>
+          </a:p>
+        </p:txBody>
+      </p:sp>
+      <p:sp>
+        <p:nvSpPr>
+          <p:cNvPr id="5" name="フッター プレースホルダー 4"/>
+          <p:cNvSpPr>
+            <a:spLocks noGrp="1"/>
+          </p:cNvSpPr>
+          <p:nvPr>
+            <p:ph type="ftr" sz="quarter" idx="11"/>
+          </p:nvPr>
+        </p:nvSpPr>
+        <p:spPr/>
+        <p:txBody>
+          <a:bodyPr/>
+          <a:lstStyle/>
+          <a:p>
+            <a:pPr rtl="0"/>
+            <a:r>
+              <a:rPr lang="ja-JP" altLang="en-US" noProof="0" smtClean="0"/>
+              <a:t>チーム葛飾</a:t>
+            </a:r>
+            <a:endParaRPr lang="ja-JP" altLang="en-US" noProof="0" dirty="0"/>
+          </a:p>
+        </p:txBody>
+      </p:sp>
+      <p:sp>
+        <p:nvSpPr>
+          <p:cNvPr id="6" name="スライド番号プレースホルダー 5"/>
+          <p:cNvSpPr>
+            <a:spLocks noGrp="1"/>
+          </p:cNvSpPr>
+          <p:nvPr>
+            <p:ph type="sldNum" sz="quarter" idx="12"/>
+          </p:nvPr>
+        </p:nvSpPr>
+        <p:spPr/>
+        <p:txBody>
+          <a:bodyPr/>
+          <a:lstStyle/>
+          <a:p>
+            <a:pPr rtl="0"/>
+            <a:fld id="{401CF334-2D5C-4859-84A6-CA7E6E43FAEB}" type="slidenum">
+              <a:rPr lang="en-US" altLang="ja-JP" noProof="0" smtClean="0"/>
+              <a:t>15</a:t>
             </a:fld>
             <a:endParaRPr lang="ja-JP" altLang="en-US" noProof="0" dirty="0"/>
           </a:p>
@@ -12282,7 +12471,7 @@
 </p:sld>
 </file>
 
-<file path=ppt/slides/slide15.xml><?xml version="1.0" encoding="utf-8"?>
+<file path=ppt/slides/slide16.xml><?xml version="1.0" encoding="utf-8"?>
 <p:sld xmlns:a="http://schemas.openxmlformats.org/drawingml/2006/main" xmlns:r="http://schemas.openxmlformats.org/officeDocument/2006/relationships" xmlns:p="http://schemas.openxmlformats.org/presentationml/2006/main">
   <p:cSld>
     <p:spTree>
@@ -12376,7 +12565,7 @@
             <a:pPr rtl="0"/>
             <a:fld id="{FA56627C-26B8-4A23-849C-3C12828FFC15}" type="datetime4">
               <a:rPr lang="ja-JP" altLang="en-US" smtClean="0"/>
-              <a:t>2017年11月12日</a:t>
+              <a:t>2017年11月13日</a:t>
             </a:fld>
             <a:endParaRPr lang="en-US" dirty="0"/>
           </a:p>
@@ -12424,7 +12613,7 @@
             <a:pPr rtl="0"/>
             <a:fld id="{401CF334-2D5C-4859-84A6-CA7E6E43FAEB}" type="slidenum">
               <a:rPr lang="en-US" altLang="ja-JP" noProof="0" smtClean="0"/>
-              <a:t>15</a:t>
+              <a:t>16</a:t>
             </a:fld>
             <a:endParaRPr lang="ja-JP" altLang="en-US" noProof="0" dirty="0"/>
           </a:p>
@@ -12527,79 +12716,100 @@
           <a:lstStyle/>
           <a:p>
             <a:r>
-              <a:rPr lang="ja-JP" altLang="en-US" dirty="0" smtClean="0"/>
+              <a:rPr lang="ja-JP" altLang="en-US" sz="2400" dirty="0" smtClean="0"/>
               <a:t>データセット</a:t>
             </a:r>
-            <a:endParaRPr lang="en-US" altLang="ja-JP" dirty="0" smtClean="0"/>
+            <a:endParaRPr lang="en-US" altLang="ja-JP" sz="2400" dirty="0" smtClean="0"/>
           </a:p>
           <a:p>
             <a:pPr lvl="1"/>
             <a:r>
-              <a:rPr lang="ja-JP" altLang="en-US" dirty="0" smtClean="0"/>
+              <a:rPr lang="ja-JP" altLang="en-US" sz="2000" dirty="0" smtClean="0"/>
               <a:t>データ詳細</a:t>
             </a:r>
-            <a:endParaRPr lang="en-US" altLang="ja-JP" dirty="0" smtClean="0"/>
+            <a:endParaRPr lang="en-US" altLang="ja-JP" sz="2000" dirty="0" smtClean="0"/>
           </a:p>
           <a:p>
             <a:pPr lvl="1"/>
             <a:r>
-              <a:rPr lang="en-US" altLang="ja-JP" dirty="0"/>
+              <a:rPr lang="en-US" altLang="ja-JP" sz="2000" dirty="0"/>
               <a:t>RDB</a:t>
             </a:r>
             <a:r>
-              <a:rPr lang="ja-JP" altLang="en-US" dirty="0"/>
+              <a:rPr lang="ja-JP" altLang="en-US" sz="2000" dirty="0"/>
               <a:t>の</a:t>
             </a:r>
             <a:r>
-              <a:rPr lang="en-US" altLang="ja-JP" dirty="0"/>
+              <a:rPr lang="en-US" altLang="ja-JP" sz="2000" dirty="0"/>
               <a:t>ER</a:t>
             </a:r>
             <a:r>
-              <a:rPr lang="ja-JP" altLang="en-US" dirty="0" smtClean="0"/>
+              <a:rPr lang="ja-JP" altLang="en-US" sz="2000" dirty="0" smtClean="0"/>
               <a:t>図</a:t>
             </a:r>
-            <a:endParaRPr lang="en-US" altLang="ja-JP" dirty="0"/>
-          </a:p>
-          <a:p>
-            <a:r>
-              <a:rPr lang="ja-JP" altLang="en-US" dirty="0" smtClean="0"/>
-              <a:t>データ</a:t>
-            </a:r>
-            <a:r>
-              <a:rPr lang="ja-JP" altLang="en-US" dirty="0" smtClean="0"/>
-              <a:t>処理</a:t>
-            </a:r>
-            <a:endParaRPr lang="en-US" altLang="ja-JP" dirty="0" smtClean="0"/>
-          </a:p>
-          <a:p>
-            <a:r>
-              <a:rPr lang="ja-JP" altLang="en-US" dirty="0" smtClean="0"/>
+            <a:endParaRPr lang="en-US" altLang="ja-JP" sz="2000" dirty="0"/>
+          </a:p>
+          <a:p>
+            <a:r>
+              <a:rPr lang="ja-JP" altLang="en-US" sz="2400" dirty="0" smtClean="0"/>
+              <a:t>データ処理</a:t>
+            </a:r>
+            <a:endParaRPr lang="en-US" altLang="ja-JP" sz="2400" dirty="0" smtClean="0"/>
+          </a:p>
+          <a:p>
+            <a:r>
+              <a:rPr lang="ja-JP" altLang="en-US" sz="2400" dirty="0" smtClean="0"/>
               <a:t>目的</a:t>
             </a:r>
-            <a:endParaRPr lang="ja-JP" altLang="en-US" dirty="0"/>
-          </a:p>
-          <a:p>
-            <a:r>
-              <a:rPr lang="ja-JP" altLang="en-US" dirty="0" smtClean="0"/>
-              <a:t>分析</a:t>
-            </a:r>
-            <a:endParaRPr lang="ja-JP" altLang="en-US" dirty="0"/>
-          </a:p>
-          <a:p>
-            <a:r>
-              <a:rPr lang="ja-JP" altLang="en-US" dirty="0"/>
-              <a:t>まとめ</a:t>
-            </a:r>
-            <a:endParaRPr lang="en-US" altLang="ja-JP" dirty="0"/>
-          </a:p>
-          <a:p>
-            <a:r>
-              <a:rPr lang="ja-JP" altLang="en-US" dirty="0"/>
-              <a:t>今後の方針</a:t>
-            </a:r>
-          </a:p>
-          <a:p>
-            <a:endParaRPr kumimoji="1" lang="ja-JP" altLang="en-US" sz="2400" dirty="0"/>
+            <a:endParaRPr lang="en-US" altLang="ja-JP" sz="2400" dirty="0"/>
+          </a:p>
+          <a:p>
+            <a:r>
+              <a:rPr lang="ja-JP" altLang="en-US" sz="2400" dirty="0"/>
+              <a:t>データ集計</a:t>
+            </a:r>
+            <a:endParaRPr lang="en-US" altLang="ja-JP" sz="2400" dirty="0"/>
+          </a:p>
+          <a:p>
+            <a:pPr lvl="1"/>
+            <a:r>
+              <a:rPr lang="ja-JP" altLang="en-US" sz="2000" dirty="0"/>
+              <a:t>来店間隔</a:t>
+            </a:r>
+            <a:endParaRPr lang="en-US" altLang="ja-JP" sz="2000" dirty="0"/>
+          </a:p>
+          <a:p>
+            <a:pPr lvl="1"/>
+            <a:r>
+              <a:rPr lang="ja-JP" altLang="en-US" sz="2000" dirty="0"/>
+              <a:t>客単価</a:t>
+            </a:r>
+            <a:endParaRPr lang="en-US" altLang="ja-JP" sz="2000" dirty="0"/>
+          </a:p>
+          <a:p>
+            <a:pPr lvl="1"/>
+            <a:r>
+              <a:rPr lang="ja-JP" altLang="en-US" sz="2000" dirty="0" smtClean="0"/>
+              <a:t>性別</a:t>
+            </a:r>
+            <a:endParaRPr lang="en-US" altLang="ja-JP" sz="2000" dirty="0" smtClean="0"/>
+          </a:p>
+          <a:p>
+            <a:pPr lvl="1"/>
+            <a:r>
+              <a:rPr lang="ja-JP" altLang="en-US" sz="2000" dirty="0"/>
+              <a:t>年代</a:t>
+            </a:r>
+            <a:endParaRPr lang="en-US" altLang="ja-JP" sz="2000" dirty="0"/>
+          </a:p>
+          <a:p>
+            <a:pPr marL="0" indent="0">
+              <a:buNone/>
+            </a:pPr>
+            <a:endParaRPr lang="ja-JP" altLang="en-US" sz="2400" dirty="0"/>
+          </a:p>
+          <a:p>
+            <a:endParaRPr kumimoji="1" lang="ja-JP" altLang="en-US" sz="2000" dirty="0"/>
           </a:p>
         </p:txBody>
       </p:sp>
@@ -12621,7 +12831,7 @@
             <a:pPr rtl="0"/>
             <a:fld id="{4E708539-F709-401E-B838-071C038E1B0C}" type="datetime4">
               <a:rPr lang="ja-JP" altLang="en-US" smtClean="0"/>
-              <a:t>2017年11月12日</a:t>
+              <a:t>2017年11月13日</a:t>
             </a:fld>
             <a:endParaRPr lang="en-US" dirty="0"/>
           </a:p>
@@ -12672,283 +12882,6 @@
               <a:t>2</a:t>
             </a:fld>
             <a:endParaRPr lang="ja-JP" altLang="en-US" noProof="0" dirty="0"/>
-          </a:p>
-        </p:txBody>
-      </p:sp>
-      <p:sp>
-        <p:nvSpPr>
-          <p:cNvPr id="7" name="コンテンツ プレースホルダー 2"/>
-          <p:cNvSpPr txBox="1">
-            <a:spLocks/>
-          </p:cNvSpPr>
-          <p:nvPr/>
-        </p:nvSpPr>
-        <p:spPr>
-          <a:xfrm>
-            <a:off x="4343400" y="1799634"/>
-            <a:ext cx="3851329" cy="4343400"/>
-          </a:xfrm>
-          <a:prstGeom prst="rect">
-            <a:avLst/>
-          </a:prstGeom>
-        </p:spPr>
-        <p:txBody>
-          <a:bodyPr vert="horz" rtlCol="0">
-            <a:normAutofit/>
-          </a:bodyPr>
-          <a:lstStyle>
-            <a:lvl1pPr marL="205740" indent="-205740" algn="l" rtl="0" eaLnBrk="1" latinLnBrk="0" hangingPunct="1">
-              <a:spcBef>
-                <a:spcPct val="20000"/>
-              </a:spcBef>
-              <a:buClr>
-                <a:schemeClr val="accent3">
-                  <a:lumMod val="50000"/>
-                </a:schemeClr>
-              </a:buClr>
-              <a:buSzPct val="95000"/>
-              <a:buFont typeface="Wingdings 2"/>
-              <a:buChar char=""/>
-              <a:defRPr kumimoji="1" sz="2800" kern="1200">
-                <a:solidFill>
-                  <a:schemeClr val="tx1"/>
-                </a:solidFill>
-                <a:latin typeface="メイリオ" panose="020B0604030504040204" pitchFamily="50" charset="-128"/>
-                <a:ea typeface="メイリオ" panose="020B0604030504040204" pitchFamily="50" charset="-128"/>
-                <a:cs typeface="メイリオ" panose="020B0604030504040204" pitchFamily="50" charset="-128"/>
-              </a:defRPr>
-            </a:lvl1pPr>
-            <a:lvl2pPr marL="480060" indent="-185166" algn="l" rtl="0" eaLnBrk="1" latinLnBrk="0" hangingPunct="1">
-              <a:spcBef>
-                <a:spcPct val="20000"/>
-              </a:spcBef>
-              <a:buClr>
-                <a:schemeClr val="accent1">
-                  <a:lumMod val="50000"/>
-                </a:schemeClr>
-              </a:buClr>
-              <a:buSzPct val="85000"/>
-              <a:buFont typeface="Wingdings 2"/>
-              <a:buChar char=""/>
-              <a:defRPr kumimoji="1" sz="2400" kern="1200">
-                <a:solidFill>
-                  <a:schemeClr val="tx1"/>
-                </a:solidFill>
-                <a:latin typeface="メイリオ" panose="020B0604030504040204" pitchFamily="50" charset="-128"/>
-                <a:ea typeface="メイリオ" panose="020B0604030504040204" pitchFamily="50" charset="-128"/>
-                <a:cs typeface="メイリオ" panose="020B0604030504040204" pitchFamily="50" charset="-128"/>
-              </a:defRPr>
-            </a:lvl2pPr>
-            <a:lvl3pPr marL="685800" indent="-185166" algn="l" rtl="0" eaLnBrk="1" latinLnBrk="0" hangingPunct="1">
-              <a:spcBef>
-                <a:spcPct val="20000"/>
-              </a:spcBef>
-              <a:buClr>
-                <a:schemeClr val="accent2">
-                  <a:lumMod val="50000"/>
-                </a:schemeClr>
-              </a:buClr>
-              <a:buSzPct val="70000"/>
-              <a:buFont typeface="Wingdings 2"/>
-              <a:buChar char=""/>
-              <a:defRPr kumimoji="1" sz="1600" kern="1200">
-                <a:solidFill>
-                  <a:schemeClr val="tx1"/>
-                </a:solidFill>
-                <a:latin typeface="メイリオ" panose="020B0604030504040204" pitchFamily="50" charset="-128"/>
-                <a:ea typeface="メイリオ" panose="020B0604030504040204" pitchFamily="50" charset="-128"/>
-                <a:cs typeface="メイリオ" panose="020B0604030504040204" pitchFamily="50" charset="-128"/>
-              </a:defRPr>
-            </a:lvl3pPr>
-            <a:lvl4pPr marL="891540" indent="-157734" algn="l" rtl="0" eaLnBrk="1" latinLnBrk="0" hangingPunct="1">
-              <a:spcBef>
-                <a:spcPct val="20000"/>
-              </a:spcBef>
-              <a:buClr>
-                <a:schemeClr val="accent3">
-                  <a:lumMod val="50000"/>
-                </a:schemeClr>
-              </a:buClr>
-              <a:buSzPct val="65000"/>
-              <a:buFont typeface="Wingdings 2"/>
-              <a:buChar char=""/>
-              <a:defRPr kumimoji="1" sz="1600" kern="1200">
-                <a:solidFill>
-                  <a:schemeClr val="tx1"/>
-                </a:solidFill>
-                <a:latin typeface="メイリオ" panose="020B0604030504040204" pitchFamily="50" charset="-128"/>
-                <a:ea typeface="メイリオ" panose="020B0604030504040204" pitchFamily="50" charset="-128"/>
-                <a:cs typeface="メイリオ" panose="020B0604030504040204" pitchFamily="50" charset="-128"/>
-              </a:defRPr>
-            </a:lvl4pPr>
-            <a:lvl5pPr marL="1097280" indent="-157734" algn="l" rtl="0" eaLnBrk="1" latinLnBrk="0" hangingPunct="1">
-              <a:spcBef>
-                <a:spcPct val="20000"/>
-              </a:spcBef>
-              <a:buClr>
-                <a:schemeClr val="accent4">
-                  <a:lumMod val="75000"/>
-                </a:schemeClr>
-              </a:buClr>
-              <a:buSzPct val="65000"/>
-              <a:buFont typeface="Wingdings 2"/>
-              <a:buChar char=""/>
-              <a:defRPr kumimoji="1" sz="1600" kern="1200">
-                <a:solidFill>
-                  <a:schemeClr val="tx1"/>
-                </a:solidFill>
-                <a:latin typeface="メイリオ" panose="020B0604030504040204" pitchFamily="50" charset="-128"/>
-                <a:ea typeface="メイリオ" panose="020B0604030504040204" pitchFamily="50" charset="-128"/>
-                <a:cs typeface="メイリオ" panose="020B0604030504040204" pitchFamily="50" charset="-128"/>
-              </a:defRPr>
-            </a:lvl5pPr>
-            <a:lvl6pPr marL="1303020" indent="-157734" algn="l" rtl="0" eaLnBrk="1" latinLnBrk="0" hangingPunct="1">
-              <a:spcBef>
-                <a:spcPct val="20000"/>
-              </a:spcBef>
-              <a:buClr>
-                <a:schemeClr val="accent5">
-                  <a:lumMod val="50000"/>
-                </a:schemeClr>
-              </a:buClr>
-              <a:buSzPct val="80000"/>
-              <a:buFont typeface="Wingdings 2"/>
-              <a:buChar char=""/>
-              <a:defRPr kumimoji="1" sz="1350" kern="1200">
-                <a:solidFill>
-                  <a:schemeClr val="tx1"/>
-                </a:solidFill>
-                <a:latin typeface="+mn-lt"/>
-                <a:ea typeface="+mn-ea"/>
-                <a:cs typeface="+mn-cs"/>
-              </a:defRPr>
-            </a:lvl6pPr>
-            <a:lvl7pPr marL="1440180" indent="-137160" algn="l" rtl="0" eaLnBrk="1" latinLnBrk="0" hangingPunct="1">
-              <a:spcBef>
-                <a:spcPct val="20000"/>
-              </a:spcBef>
-              <a:buClr>
-                <a:schemeClr val="accent6">
-                  <a:lumMod val="75000"/>
-                </a:schemeClr>
-              </a:buClr>
-              <a:buSzPct val="80000"/>
-              <a:buFont typeface="Wingdings 2"/>
-              <a:buChar char=""/>
-              <a:defRPr kumimoji="1" sz="1200" kern="1200" baseline="0">
-                <a:solidFill>
-                  <a:schemeClr val="tx1"/>
-                </a:solidFill>
-                <a:latin typeface="+mn-lt"/>
-                <a:ea typeface="+mn-ea"/>
-                <a:cs typeface="+mn-cs"/>
-              </a:defRPr>
-            </a:lvl7pPr>
-            <a:lvl8pPr marL="1645920" indent="-137160" algn="l" rtl="0" eaLnBrk="1" latinLnBrk="0" hangingPunct="1">
-              <a:spcBef>
-                <a:spcPct val="20000"/>
-              </a:spcBef>
-              <a:buClr>
-                <a:schemeClr val="tx2"/>
-              </a:buClr>
-              <a:buChar char="•"/>
-              <a:defRPr kumimoji="1" sz="1200" kern="1200">
-                <a:solidFill>
-                  <a:schemeClr val="tx1"/>
-                </a:solidFill>
-                <a:latin typeface="+mn-lt"/>
-                <a:ea typeface="+mn-ea"/>
-                <a:cs typeface="+mn-cs"/>
-              </a:defRPr>
-            </a:lvl8pPr>
-            <a:lvl9pPr marL="1714500" indent="0" algn="l" rtl="0" eaLnBrk="1" latinLnBrk="0" hangingPunct="1">
-              <a:spcBef>
-                <a:spcPct val="20000"/>
-              </a:spcBef>
-              <a:buClr>
-                <a:schemeClr val="tx2"/>
-              </a:buClr>
-              <a:buFontTx/>
-              <a:buNone/>
-              <a:defRPr kumimoji="1" sz="1050" kern="1200" baseline="0">
-                <a:solidFill>
-                  <a:schemeClr val="tx1"/>
-                </a:solidFill>
-                <a:latin typeface="+mn-lt"/>
-                <a:ea typeface="+mn-ea"/>
-                <a:cs typeface="+mn-cs"/>
-              </a:defRPr>
-            </a:lvl9pPr>
-          </a:lstStyle>
-          <a:p>
-            <a:r>
-              <a:rPr lang="ja-JP" altLang="en-US" smtClean="0"/>
-              <a:t>データセット</a:t>
-            </a:r>
-            <a:endParaRPr lang="en-US" altLang="ja-JP" smtClean="0"/>
-          </a:p>
-          <a:p>
-            <a:pPr lvl="1"/>
-            <a:r>
-              <a:rPr lang="ja-JP" altLang="en-US" smtClean="0"/>
-              <a:t>データ詳細</a:t>
-            </a:r>
-            <a:endParaRPr lang="en-US" altLang="ja-JP" smtClean="0"/>
-          </a:p>
-          <a:p>
-            <a:pPr lvl="1"/>
-            <a:r>
-              <a:rPr lang="en-US" altLang="ja-JP" smtClean="0"/>
-              <a:t>RDB</a:t>
-            </a:r>
-            <a:r>
-              <a:rPr lang="ja-JP" altLang="en-US" smtClean="0"/>
-              <a:t>の</a:t>
-            </a:r>
-            <a:r>
-              <a:rPr lang="en-US" altLang="ja-JP" smtClean="0"/>
-              <a:t>ER</a:t>
-            </a:r>
-            <a:r>
-              <a:rPr lang="ja-JP" altLang="en-US" smtClean="0"/>
-              <a:t>図</a:t>
-            </a:r>
-            <a:endParaRPr lang="en-US" altLang="ja-JP" smtClean="0"/>
-          </a:p>
-          <a:p>
-            <a:r>
-              <a:rPr lang="ja-JP" altLang="en-US" smtClean="0"/>
-              <a:t>データ処理</a:t>
-            </a:r>
-            <a:endParaRPr lang="en-US" altLang="ja-JP" smtClean="0"/>
-          </a:p>
-          <a:p>
-            <a:r>
-              <a:rPr lang="ja-JP" altLang="en-US" smtClean="0"/>
-              <a:t>目的</a:t>
-            </a:r>
-          </a:p>
-          <a:p>
-            <a:r>
-              <a:rPr lang="ja-JP" altLang="en-US" smtClean="0"/>
-              <a:t>分析</a:t>
-            </a:r>
-          </a:p>
-          <a:p>
-            <a:r>
-              <a:rPr lang="ja-JP" altLang="en-US" smtClean="0"/>
-              <a:t>まとめ</a:t>
-            </a:r>
-            <a:endParaRPr lang="en-US" altLang="ja-JP" smtClean="0"/>
-          </a:p>
-          <a:p>
-            <a:r>
-              <a:rPr lang="ja-JP" altLang="en-US" smtClean="0"/>
-              <a:t>今後の方針</a:t>
-            </a:r>
-          </a:p>
-          <a:p>
-            <a:endParaRPr lang="ja-JP" altLang="en-US" sz="2400" dirty="0"/>
           </a:p>
         </p:txBody>
       </p:sp>
@@ -13042,7 +12975,7 @@
             <a:pPr rtl="0"/>
             <a:fld id="{FA56627C-26B8-4A23-849C-3C12828FFC15}" type="datetime4">
               <a:rPr lang="ja-JP" altLang="en-US" smtClean="0"/>
-              <a:t>2017年11月12日</a:t>
+              <a:t>2017年11月13日</a:t>
             </a:fld>
             <a:endParaRPr lang="en-US" dirty="0"/>
           </a:p>
@@ -13106,7 +13039,7 @@
             <p:ph idx="1"/>
             <p:extLst>
               <p:ext uri="{D42A27DB-BD31-4B8C-83A1-F6EECF244321}">
-                <p14:modId xmlns:p14="http://schemas.microsoft.com/office/powerpoint/2010/main" val="658702597"/>
+                <p14:modId xmlns:p14="http://schemas.microsoft.com/office/powerpoint/2010/main" val="3443088749"/>
               </p:ext>
             </p:extLst>
           </p:nvPr>
@@ -14211,14 +14144,6 @@
                         </a:rPr>
                         <a:t>380,585</a:t>
                       </a:r>
-                      <a:endParaRPr kumimoji="1" lang="en-US" altLang="ja-JP" sz="1600" kern="1200" dirty="0" smtClean="0">
-                        <a:solidFill>
-                          <a:srgbClr val="FF0000"/>
-                        </a:solidFill>
-                        <a:latin typeface="+mj-ea"/>
-                        <a:ea typeface="+mn-ea"/>
-                        <a:cs typeface="Verdana" panose="020B0604030504040204" pitchFamily="34" charset="0"/>
-                      </a:endParaRPr>
                     </a:p>
                   </a:txBody>
                   <a:tcPr marL="68580" marR="68580" marT="34290" marB="34290"/>
@@ -16802,7 +16727,7 @@
             <a:pPr rtl="0"/>
             <a:fld id="{FA56627C-26B8-4A23-849C-3C12828FFC15}" type="datetime4">
               <a:rPr lang="ja-JP" altLang="en-US" smtClean="0"/>
-              <a:t>2017年11月12日</a:t>
+              <a:t>2017年11月13日</a:t>
             </a:fld>
             <a:endParaRPr lang="en-US" dirty="0"/>
           </a:p>
@@ -16992,7 +16917,7 @@
             <a:pPr rtl="0"/>
             <a:fld id="{F9253873-D09C-47E6-9E8C-41293638C17D}" type="datetime4">
               <a:rPr lang="ja-JP" altLang="en-US" smtClean="0"/>
-              <a:t>2017年11月12日</a:t>
+              <a:t>2017年11月13日</a:t>
             </a:fld>
             <a:endParaRPr lang="en-US" dirty="0"/>
           </a:p>
@@ -17105,6 +17030,215 @@
             <p:ph type="title"/>
           </p:nvPr>
         </p:nvSpPr>
+        <p:spPr/>
+        <p:txBody>
+          <a:bodyPr/>
+          <a:lstStyle/>
+          <a:p>
+            <a:r>
+              <a:rPr kumimoji="1" lang="ja-JP" altLang="en-US" dirty="0" smtClean="0"/>
+              <a:t>データ集計</a:t>
+            </a:r>
+            <a:endParaRPr kumimoji="1" lang="ja-JP" altLang="en-US" dirty="0"/>
+          </a:p>
+        </p:txBody>
+      </p:sp>
+      <p:sp>
+        <p:nvSpPr>
+          <p:cNvPr id="3" name="コンテンツ プレースホルダー 2"/>
+          <p:cNvSpPr>
+            <a:spLocks noGrp="1"/>
+          </p:cNvSpPr>
+          <p:nvPr>
+            <p:ph idx="1"/>
+          </p:nvPr>
+        </p:nvSpPr>
+        <p:spPr/>
+        <p:txBody>
+          <a:bodyPr/>
+          <a:lstStyle/>
+          <a:p>
+            <a:r>
+              <a:rPr lang="ja-JP" altLang="en-US" dirty="0" smtClean="0"/>
+              <a:t>モデル作成</a:t>
+            </a:r>
+            <a:r>
+              <a:rPr lang="ja-JP" altLang="en-US" dirty="0"/>
+              <a:t>に</a:t>
+            </a:r>
+            <a:r>
+              <a:rPr kumimoji="1" lang="ja-JP" altLang="en-US" dirty="0" smtClean="0"/>
+              <a:t>必要な情報をまとめる</a:t>
+            </a:r>
+            <a:endParaRPr kumimoji="1" lang="en-US" altLang="ja-JP" dirty="0" smtClean="0"/>
+          </a:p>
+          <a:p>
+            <a:r>
+              <a:rPr lang="ja-JP" altLang="en-US" dirty="0" smtClean="0"/>
+              <a:t>各顧客について最も多く来店した店舗をお気に入り店舗と仮定する</a:t>
+            </a:r>
+            <a:endParaRPr lang="en-US" altLang="ja-JP" dirty="0" smtClean="0"/>
+          </a:p>
+          <a:p>
+            <a:r>
+              <a:rPr kumimoji="1" lang="ja-JP" altLang="en-US" dirty="0" smtClean="0"/>
+              <a:t>顧客データから年齢、性別が不明のデータを取り除く</a:t>
+            </a:r>
+            <a:r>
+              <a:rPr lang="en-US" altLang="ja-JP" dirty="0" smtClean="0"/>
+              <a:t>(</a:t>
+            </a:r>
+            <a:r>
+              <a:rPr lang="ja-JP" altLang="en-US" dirty="0" smtClean="0"/>
+              <a:t>使用データ </a:t>
+            </a:r>
+            <a:r>
+              <a:rPr lang="en-US" altLang="ja-JP" dirty="0" smtClean="0"/>
+              <a:t>: 14231</a:t>
+            </a:r>
+            <a:r>
+              <a:rPr lang="ja-JP" altLang="en-US" dirty="0"/>
+              <a:t>名</a:t>
+            </a:r>
+            <a:r>
+              <a:rPr lang="en-US" altLang="ja-JP" dirty="0" smtClean="0"/>
+              <a:t>)</a:t>
+            </a:r>
+            <a:endParaRPr kumimoji="1" lang="ja-JP" altLang="en-US" dirty="0"/>
+          </a:p>
+        </p:txBody>
+      </p:sp>
+      <p:sp>
+        <p:nvSpPr>
+          <p:cNvPr id="4" name="日付プレースホルダー 3"/>
+          <p:cNvSpPr>
+            <a:spLocks noGrp="1"/>
+          </p:cNvSpPr>
+          <p:nvPr>
+            <p:ph type="dt" sz="half" idx="10"/>
+          </p:nvPr>
+        </p:nvSpPr>
+        <p:spPr/>
+        <p:txBody>
+          <a:bodyPr/>
+          <a:lstStyle/>
+          <a:p>
+            <a:pPr rtl="0"/>
+            <a:fld id="{FA56627C-26B8-4A23-849C-3C12828FFC15}" type="datetime4">
+              <a:rPr lang="ja-JP" altLang="en-US" smtClean="0"/>
+              <a:t>2017年11月13日</a:t>
+            </a:fld>
+            <a:endParaRPr lang="en-US" dirty="0"/>
+          </a:p>
+        </p:txBody>
+      </p:sp>
+      <p:sp>
+        <p:nvSpPr>
+          <p:cNvPr id="5" name="フッター プレースホルダー 4"/>
+          <p:cNvSpPr>
+            <a:spLocks noGrp="1"/>
+          </p:cNvSpPr>
+          <p:nvPr>
+            <p:ph type="ftr" sz="quarter" idx="11"/>
+          </p:nvPr>
+        </p:nvSpPr>
+        <p:spPr/>
+        <p:txBody>
+          <a:bodyPr/>
+          <a:lstStyle/>
+          <a:p>
+            <a:pPr rtl="0"/>
+            <a:r>
+              <a:rPr lang="ja-JP" altLang="en-US" noProof="0" smtClean="0"/>
+              <a:t>チーム葛飾</a:t>
+            </a:r>
+            <a:endParaRPr lang="ja-JP" altLang="en-US" noProof="0" dirty="0"/>
+          </a:p>
+        </p:txBody>
+      </p:sp>
+      <p:sp>
+        <p:nvSpPr>
+          <p:cNvPr id="6" name="スライド番号プレースホルダー 5"/>
+          <p:cNvSpPr>
+            <a:spLocks noGrp="1"/>
+          </p:cNvSpPr>
+          <p:nvPr>
+            <p:ph type="sldNum" sz="quarter" idx="12"/>
+          </p:nvPr>
+        </p:nvSpPr>
+        <p:spPr/>
+        <p:txBody>
+          <a:bodyPr/>
+          <a:lstStyle/>
+          <a:p>
+            <a:pPr rtl="0"/>
+            <a:fld id="{401CF334-2D5C-4859-84A6-CA7E6E43FAEB}" type="slidenum">
+              <a:rPr lang="en-US" altLang="ja-JP" noProof="0" smtClean="0"/>
+              <a:t>7</a:t>
+            </a:fld>
+            <a:endParaRPr lang="ja-JP" altLang="en-US" noProof="0" dirty="0"/>
+          </a:p>
+        </p:txBody>
+      </p:sp>
+    </p:spTree>
+    <p:extLst>
+      <p:ext uri="{BB962C8B-B14F-4D97-AF65-F5344CB8AC3E}">
+        <p14:creationId xmlns:p14="http://schemas.microsoft.com/office/powerpoint/2010/main" val="2211446754"/>
+      </p:ext>
+    </p:extLst>
+  </p:cSld>
+  <p:clrMapOvr>
+    <a:masterClrMapping/>
+  </p:clrMapOvr>
+  <mc:AlternateContent xmlns:mc="http://schemas.openxmlformats.org/markup-compatibility/2006" xmlns:p14="http://schemas.microsoft.com/office/powerpoint/2010/main">
+    <mc:Choice Requires="p14">
+      <p:transition spd="med" p14:dur="700">
+        <p:fade/>
+      </p:transition>
+    </mc:Choice>
+    <mc:Fallback xmlns="">
+      <p:transition spd="med">
+        <p:fade/>
+      </p:transition>
+    </mc:Fallback>
+  </mc:AlternateContent>
+  <p:timing>
+    <p:tnLst>
+      <p:par>
+        <p:cTn id="1" dur="indefinite" restart="never" nodeType="tmRoot"/>
+      </p:par>
+    </p:tnLst>
+  </p:timing>
+</p:sld>
+</file>
+
+<file path=ppt/slides/slide8.xml><?xml version="1.0" encoding="utf-8"?>
+<p:sld xmlns:a="http://schemas.openxmlformats.org/drawingml/2006/main" xmlns:r="http://schemas.openxmlformats.org/officeDocument/2006/relationships" xmlns:p="http://schemas.openxmlformats.org/presentationml/2006/main">
+  <p:cSld>
+    <p:spTree>
+      <p:nvGrpSpPr>
+        <p:cNvPr id="1" name=""/>
+        <p:cNvGrpSpPr/>
+        <p:nvPr/>
+      </p:nvGrpSpPr>
+      <p:grpSpPr>
+        <a:xfrm>
+          <a:off x="0" y="0"/>
+          <a:ext cx="0" cy="0"/>
+          <a:chOff x="0" y="0"/>
+          <a:chExt cx="0" cy="0"/>
+        </a:xfrm>
+      </p:grpSpPr>
+      <p:sp>
+        <p:nvSpPr>
+          <p:cNvPr id="2" name="タイトル 1"/>
+          <p:cNvSpPr>
+            <a:spLocks noGrp="1"/>
+          </p:cNvSpPr>
+          <p:nvPr>
+            <p:ph type="title"/>
+          </p:nvPr>
+        </p:nvSpPr>
         <p:spPr>
           <a:xfrm>
             <a:off x="457200" y="705172"/>
@@ -17152,7 +17286,7 @@
             <a:pPr rtl="0"/>
             <a:fld id="{FA56627C-26B8-4A23-849C-3C12828FFC15}" type="datetime4">
               <a:rPr lang="ja-JP" altLang="en-US" smtClean="0"/>
-              <a:t>2017年11月12日</a:t>
+              <a:t>2017年11月13日</a:t>
             </a:fld>
             <a:endParaRPr lang="en-US" dirty="0"/>
           </a:p>
@@ -17200,7 +17334,7 @@
             <a:pPr rtl="0"/>
             <a:fld id="{401CF334-2D5C-4859-84A6-CA7E6E43FAEB}" type="slidenum">
               <a:rPr lang="en-US" altLang="ja-JP" noProof="0" smtClean="0"/>
-              <a:t>7</a:t>
+              <a:t>8</a:t>
             </a:fld>
             <a:endParaRPr lang="ja-JP" altLang="en-US" noProof="0" dirty="0"/>
           </a:p>
@@ -17420,8 +17554,8 @@
           </a:p>
           <a:p>
             <a:r>
-              <a:rPr lang="ja-JP" altLang="en-US" sz="2000" dirty="0"/>
-              <a:t>他の店舗の分布はかなり似ている</a:t>
+              <a:rPr lang="ja-JP" altLang="en-US" sz="2000" dirty="0" smtClean="0"/>
+              <a:t>その他の店舗は約三ヶ月間隔</a:t>
             </a:r>
             <a:endParaRPr lang="en-US" altLang="ja-JP" sz="2000" dirty="0"/>
           </a:p>
@@ -17429,22 +17563,28 @@
       </p:sp>
       <p:pic>
         <p:nvPicPr>
-          <p:cNvPr id="3" name="図 2"/>
+          <p:cNvPr id="9" name="図 8"/>
           <p:cNvPicPr>
             <a:picLocks noChangeAspect="1"/>
           </p:cNvPicPr>
           <p:nvPr/>
         </p:nvPicPr>
         <p:blipFill>
-          <a:blip r:embed="rId2"/>
+          <a:blip r:embed="rId2" cstate="print">
+            <a:extLst>
+              <a:ext uri="{28A0092B-C50C-407E-A947-70E740481C1C}">
+                <a14:useLocalDpi xmlns:a14="http://schemas.microsoft.com/office/drawing/2010/main" val="0"/>
+              </a:ext>
+            </a:extLst>
+          </a:blip>
           <a:stretch>
             <a:fillRect/>
           </a:stretch>
         </p:blipFill>
         <p:spPr>
           <a:xfrm>
-            <a:off x="986697" y="1877669"/>
-            <a:ext cx="6956183" cy="4292959"/>
+            <a:off x="662400" y="1742400"/>
+            <a:ext cx="7820713" cy="4827600"/>
           </a:xfrm>
           <a:prstGeom prst="rect">
             <a:avLst/>
@@ -17455,206 +17595,6 @@
     <p:extLst>
       <p:ext uri="{BB962C8B-B14F-4D97-AF65-F5344CB8AC3E}">
         <p14:creationId xmlns:p14="http://schemas.microsoft.com/office/powerpoint/2010/main" val="2767999175"/>
-      </p:ext>
-    </p:extLst>
-  </p:cSld>
-  <p:clrMapOvr>
-    <a:masterClrMapping/>
-  </p:clrMapOvr>
-  <mc:AlternateContent xmlns:mc="http://schemas.openxmlformats.org/markup-compatibility/2006" xmlns:p14="http://schemas.microsoft.com/office/powerpoint/2010/main">
-    <mc:Choice Requires="p14">
-      <p:transition spd="med" p14:dur="700">
-        <p:fade/>
-      </p:transition>
-    </mc:Choice>
-    <mc:Fallback xmlns="">
-      <p:transition spd="med">
-        <p:fade/>
-      </p:transition>
-    </mc:Fallback>
-  </mc:AlternateContent>
-  <p:timing>
-    <p:tnLst>
-      <p:par>
-        <p:cTn id="1" dur="indefinite" restart="never" nodeType="tmRoot"/>
-      </p:par>
-    </p:tnLst>
-  </p:timing>
-</p:sld>
-</file>
-
-<file path=ppt/slides/slide8.xml><?xml version="1.0" encoding="utf-8"?>
-<p:sld xmlns:a="http://schemas.openxmlformats.org/drawingml/2006/main" xmlns:r="http://schemas.openxmlformats.org/officeDocument/2006/relationships" xmlns:p="http://schemas.openxmlformats.org/presentationml/2006/main">
-  <p:cSld>
-    <p:spTree>
-      <p:nvGrpSpPr>
-        <p:cNvPr id="1" name=""/>
-        <p:cNvGrpSpPr/>
-        <p:nvPr/>
-      </p:nvGrpSpPr>
-      <p:grpSpPr>
-        <a:xfrm>
-          <a:off x="0" y="0"/>
-          <a:ext cx="0" cy="0"/>
-          <a:chOff x="0" y="0"/>
-          <a:chExt cx="0" cy="0"/>
-        </a:xfrm>
-      </p:grpSpPr>
-      <p:sp>
-        <p:nvSpPr>
-          <p:cNvPr id="2" name="タイトル 1"/>
-          <p:cNvSpPr>
-            <a:spLocks noGrp="1"/>
-          </p:cNvSpPr>
-          <p:nvPr>
-            <p:ph type="title"/>
-          </p:nvPr>
-        </p:nvSpPr>
-        <p:spPr/>
-        <p:txBody>
-          <a:bodyPr>
-            <a:normAutofit/>
-          </a:bodyPr>
-          <a:lstStyle/>
-          <a:p>
-            <a:r>
-              <a:rPr kumimoji="1" lang="ja-JP" altLang="en-US" dirty="0" smtClean="0"/>
-              <a:t>客単価</a:t>
-            </a:r>
-            <a:endParaRPr kumimoji="1" lang="ja-JP" altLang="en-US" dirty="0"/>
-          </a:p>
-        </p:txBody>
-      </p:sp>
-      <p:sp>
-        <p:nvSpPr>
-          <p:cNvPr id="3" name="コンテンツ プレースホルダー 2"/>
-          <p:cNvSpPr>
-            <a:spLocks noGrp="1"/>
-          </p:cNvSpPr>
-          <p:nvPr>
-            <p:ph idx="1"/>
-          </p:nvPr>
-        </p:nvSpPr>
-        <p:spPr>
-          <a:xfrm>
-            <a:off x="4006311" y="889270"/>
-            <a:ext cx="4948435" cy="722554"/>
-          </a:xfrm>
-        </p:spPr>
-        <p:txBody>
-          <a:bodyPr>
-            <a:normAutofit/>
-          </a:bodyPr>
-          <a:lstStyle/>
-          <a:p>
-            <a:r>
-              <a:rPr lang="ja-JP" altLang="en-US" sz="2000" dirty="0" smtClean="0"/>
-              <a:t>メン中野店を除いて二峰性の分布になっている。</a:t>
-            </a:r>
-            <a:endParaRPr kumimoji="1" lang="ja-JP" altLang="en-US" sz="2000" dirty="0"/>
-          </a:p>
-        </p:txBody>
-      </p:sp>
-      <p:sp>
-        <p:nvSpPr>
-          <p:cNvPr id="4" name="日付プレースホルダー 3"/>
-          <p:cNvSpPr>
-            <a:spLocks noGrp="1"/>
-          </p:cNvSpPr>
-          <p:nvPr>
-            <p:ph type="dt" sz="half" idx="10"/>
-          </p:nvPr>
-        </p:nvSpPr>
-        <p:spPr/>
-        <p:txBody>
-          <a:bodyPr/>
-          <a:lstStyle/>
-          <a:p>
-            <a:pPr rtl="0"/>
-            <a:fld id="{FA56627C-26B8-4A23-849C-3C12828FFC15}" type="datetime4">
-              <a:rPr lang="ja-JP" altLang="en-US" smtClean="0"/>
-              <a:t>2017年11月12日</a:t>
-            </a:fld>
-            <a:endParaRPr lang="en-US" dirty="0"/>
-          </a:p>
-        </p:txBody>
-      </p:sp>
-      <p:sp>
-        <p:nvSpPr>
-          <p:cNvPr id="5" name="フッター プレースホルダー 4"/>
-          <p:cNvSpPr>
-            <a:spLocks noGrp="1"/>
-          </p:cNvSpPr>
-          <p:nvPr>
-            <p:ph type="ftr" sz="quarter" idx="11"/>
-          </p:nvPr>
-        </p:nvSpPr>
-        <p:spPr/>
-        <p:txBody>
-          <a:bodyPr/>
-          <a:lstStyle/>
-          <a:p>
-            <a:pPr rtl="0"/>
-            <a:r>
-              <a:rPr lang="ja-JP" altLang="en-US" noProof="0" smtClean="0"/>
-              <a:t>チーム葛飾</a:t>
-            </a:r>
-            <a:endParaRPr lang="ja-JP" altLang="en-US" noProof="0" dirty="0"/>
-          </a:p>
-        </p:txBody>
-      </p:sp>
-      <p:sp>
-        <p:nvSpPr>
-          <p:cNvPr id="6" name="スライド番号プレースホルダー 5"/>
-          <p:cNvSpPr>
-            <a:spLocks noGrp="1"/>
-          </p:cNvSpPr>
-          <p:nvPr>
-            <p:ph type="sldNum" sz="quarter" idx="12"/>
-          </p:nvPr>
-        </p:nvSpPr>
-        <p:spPr/>
-        <p:txBody>
-          <a:bodyPr/>
-          <a:lstStyle/>
-          <a:p>
-            <a:pPr rtl="0"/>
-            <a:fld id="{401CF334-2D5C-4859-84A6-CA7E6E43FAEB}" type="slidenum">
-              <a:rPr lang="en-US" altLang="ja-JP" noProof="0" smtClean="0"/>
-              <a:t>8</a:t>
-            </a:fld>
-            <a:endParaRPr lang="ja-JP" altLang="en-US" noProof="0" dirty="0"/>
-          </a:p>
-        </p:txBody>
-      </p:sp>
-      <p:pic>
-        <p:nvPicPr>
-          <p:cNvPr id="7" name="図 6"/>
-          <p:cNvPicPr>
-            <a:picLocks noChangeAspect="1"/>
-          </p:cNvPicPr>
-          <p:nvPr/>
-        </p:nvPicPr>
-        <p:blipFill>
-          <a:blip r:embed="rId2"/>
-          <a:stretch>
-            <a:fillRect/>
-          </a:stretch>
-        </p:blipFill>
-        <p:spPr>
-          <a:xfrm>
-            <a:off x="457200" y="1951873"/>
-            <a:ext cx="7467600" cy="4608576"/>
-          </a:xfrm>
-          <a:prstGeom prst="rect">
-            <a:avLst/>
-          </a:prstGeom>
-        </p:spPr>
-      </p:pic>
-    </p:spTree>
-    <p:extLst>
-      <p:ext uri="{BB962C8B-B14F-4D97-AF65-F5344CB8AC3E}">
-        <p14:creationId xmlns:p14="http://schemas.microsoft.com/office/powerpoint/2010/main" val="3731294960"/>
       </p:ext>
     </p:extLst>
   </p:cSld>
@@ -17712,14 +17652,46 @@
         </p:nvSpPr>
         <p:spPr/>
         <p:txBody>
-          <a:bodyPr/>
+          <a:bodyPr>
+            <a:normAutofit/>
+          </a:bodyPr>
           <a:lstStyle/>
           <a:p>
             <a:r>
-              <a:rPr lang="ja-JP" altLang="en-US" dirty="0" smtClean="0"/>
-              <a:t>性別</a:t>
+              <a:rPr kumimoji="1" lang="ja-JP" altLang="en-US" dirty="0" smtClean="0"/>
+              <a:t>客単価</a:t>
             </a:r>
             <a:endParaRPr kumimoji="1" lang="ja-JP" altLang="en-US" dirty="0"/>
+          </a:p>
+        </p:txBody>
+      </p:sp>
+      <p:sp>
+        <p:nvSpPr>
+          <p:cNvPr id="3" name="コンテンツ プレースホルダー 2"/>
+          <p:cNvSpPr>
+            <a:spLocks noGrp="1"/>
+          </p:cNvSpPr>
+          <p:nvPr>
+            <p:ph idx="1"/>
+          </p:nvPr>
+        </p:nvSpPr>
+        <p:spPr>
+          <a:xfrm>
+            <a:off x="4006311" y="889270"/>
+            <a:ext cx="4948435" cy="722554"/>
+          </a:xfrm>
+        </p:spPr>
+        <p:txBody>
+          <a:bodyPr>
+            <a:normAutofit/>
+          </a:bodyPr>
+          <a:lstStyle/>
+          <a:p>
+            <a:r>
+              <a:rPr lang="ja-JP" altLang="en-US" sz="2000" dirty="0" smtClean="0"/>
+              <a:t>メン中野店を除いて二峰性の分布になっている。</a:t>
+            </a:r>
+            <a:endParaRPr kumimoji="1" lang="ja-JP" altLang="en-US" sz="2000" dirty="0"/>
           </a:p>
         </p:txBody>
       </p:sp>
@@ -17741,7 +17713,7 @@
             <a:pPr rtl="0"/>
             <a:fld id="{FA56627C-26B8-4A23-849C-3C12828FFC15}" type="datetime4">
               <a:rPr lang="ja-JP" altLang="en-US" smtClean="0"/>
-              <a:t>2017年11月12日</a:t>
+              <a:t>2017年11月13日</a:t>
             </a:fld>
             <a:endParaRPr lang="en-US" dirty="0"/>
           </a:p>
@@ -17797,73 +17769,38 @@
       </p:sp>
       <p:pic>
         <p:nvPicPr>
-          <p:cNvPr id="7" name="図 6"/>
+          <p:cNvPr id="12" name="図 11"/>
           <p:cNvPicPr>
             <a:picLocks noChangeAspect="1"/>
           </p:cNvPicPr>
           <p:nvPr/>
         </p:nvPicPr>
         <p:blipFill>
-          <a:blip r:embed="rId2"/>
+          <a:blip r:embed="rId2" cstate="print">
+            <a:extLst>
+              <a:ext uri="{28A0092B-C50C-407E-A947-70E740481C1C}">
+                <a14:useLocalDpi xmlns:a14="http://schemas.microsoft.com/office/drawing/2010/main" val="0"/>
+              </a:ext>
+            </a:extLst>
+          </a:blip>
           <a:stretch>
             <a:fillRect/>
           </a:stretch>
         </p:blipFill>
         <p:spPr>
           <a:xfrm>
-            <a:off x="455053" y="1697130"/>
-            <a:ext cx="7776694" cy="4799331"/>
+            <a:off x="662400" y="1742400"/>
+            <a:ext cx="7820713" cy="4827600"/>
           </a:xfrm>
           <a:prstGeom prst="rect">
             <a:avLst/>
           </a:prstGeom>
         </p:spPr>
       </p:pic>
-      <p:sp>
-        <p:nvSpPr>
-          <p:cNvPr id="8" name="コンテンツ プレースホルダー 2"/>
-          <p:cNvSpPr>
-            <a:spLocks noGrp="1"/>
-          </p:cNvSpPr>
-          <p:nvPr>
-            <p:ph idx="1"/>
-          </p:nvPr>
-        </p:nvSpPr>
-        <p:spPr>
-          <a:xfrm>
-            <a:off x="3626604" y="632837"/>
-            <a:ext cx="5122190" cy="1114909"/>
-          </a:xfrm>
-        </p:spPr>
-        <p:txBody>
-          <a:bodyPr>
-            <a:noAutofit/>
-          </a:bodyPr>
-          <a:lstStyle/>
-          <a:p>
-            <a:r>
-              <a:rPr lang="ja-JP" altLang="en-US" sz="2000" dirty="0" smtClean="0"/>
-              <a:t>初回来店店舗をお気に入り店舗と仮定して、店舗ごとの男女比</a:t>
-            </a:r>
-            <a:endParaRPr lang="en-US" altLang="ja-JP" sz="2000" dirty="0" smtClean="0"/>
-          </a:p>
-          <a:p>
-            <a:r>
-              <a:rPr kumimoji="1" lang="ja-JP" altLang="en-US" sz="2000" dirty="0"/>
-              <a:t>基本的</a:t>
-            </a:r>
-            <a:r>
-              <a:rPr kumimoji="1" lang="ja-JP" altLang="en-US" sz="2000" dirty="0" smtClean="0"/>
-              <a:t>に女性が多い</a:t>
-            </a:r>
-            <a:endParaRPr kumimoji="1" lang="ja-JP" altLang="en-US" sz="2000" dirty="0"/>
-          </a:p>
-        </p:txBody>
-      </p:sp>
     </p:spTree>
     <p:extLst>
       <p:ext uri="{BB962C8B-B14F-4D97-AF65-F5344CB8AC3E}">
-        <p14:creationId xmlns:p14="http://schemas.microsoft.com/office/powerpoint/2010/main" val="1063758896"/>
+        <p14:creationId xmlns:p14="http://schemas.microsoft.com/office/powerpoint/2010/main" val="3731294960"/>
       </p:ext>
     </p:extLst>
   </p:cSld>

--- a/report/中間報告改2.pptx
+++ b/report/中間報告改2.pptx
@@ -553,11 +553,11 @@
           <c:showBubbleSize val="0"/>
         </c:dLbls>
         <c:gapWidth val="65"/>
-        <c:axId val="251145136"/>
-        <c:axId val="251145696"/>
+        <c:axId val="236140368"/>
+        <c:axId val="289159024"/>
       </c:barChart>
       <c:catAx>
-        <c:axId val="251145136"/>
+        <c:axId val="236140368"/>
         <c:scaling>
           <c:orientation val="minMax"/>
         </c:scaling>
@@ -567,7 +567,7 @@
         <c:majorTickMark val="out"/>
         <c:minorTickMark val="none"/>
         <c:tickLblPos val="nextTo"/>
-        <c:crossAx val="251145696"/>
+        <c:crossAx val="289159024"/>
         <c:crosses val="autoZero"/>
         <c:auto val="1"/>
         <c:lblAlgn val="ctr"/>
@@ -575,7 +575,7 @@
         <c:noMultiLvlLbl val="0"/>
       </c:catAx>
       <c:valAx>
-        <c:axId val="251145696"/>
+        <c:axId val="289159024"/>
         <c:scaling>
           <c:orientation val="minMax"/>
         </c:scaling>
@@ -585,7 +585,7 @@
         <c:majorTickMark val="out"/>
         <c:minorTickMark val="none"/>
         <c:tickLblPos val="nextTo"/>
-        <c:crossAx val="251145136"/>
+        <c:crossAx val="236140368"/>
         <c:crosses val="autoZero"/>
         <c:crossBetween val="between"/>
       </c:valAx>
@@ -1064,11 +1064,11 @@
           <c:showBubbleSize val="0"/>
         </c:dLbls>
         <c:gapWidth val="65"/>
-        <c:axId val="316990240"/>
-        <c:axId val="316990800"/>
+        <c:axId val="289164624"/>
+        <c:axId val="289165184"/>
       </c:barChart>
       <c:catAx>
-        <c:axId val="316990240"/>
+        <c:axId val="289164624"/>
         <c:scaling>
           <c:orientation val="minMax"/>
         </c:scaling>
@@ -1078,7 +1078,7 @@
         <c:majorTickMark val="none"/>
         <c:minorTickMark val="none"/>
         <c:tickLblPos val="nextTo"/>
-        <c:crossAx val="316990800"/>
+        <c:crossAx val="289165184"/>
         <c:crosses val="autoZero"/>
         <c:auto val="1"/>
         <c:lblAlgn val="ctr"/>
@@ -1086,7 +1086,7 @@
         <c:noMultiLvlLbl val="0"/>
       </c:catAx>
       <c:valAx>
-        <c:axId val="316990800"/>
+        <c:axId val="289165184"/>
         <c:scaling>
           <c:orientation val="minMax"/>
         </c:scaling>
@@ -1096,7 +1096,7 @@
         <c:majorTickMark val="none"/>
         <c:minorTickMark val="none"/>
         <c:tickLblPos val="nextTo"/>
-        <c:crossAx val="316990240"/>
+        <c:crossAx val="289164624"/>
         <c:crosses val="autoZero"/>
         <c:crossBetween val="between"/>
       </c:valAx>
@@ -11140,8 +11140,8 @@
         </p:nvSpPr>
         <p:spPr>
           <a:xfrm>
-            <a:off x="3564610" y="1051948"/>
-            <a:ext cx="5122190" cy="507990"/>
+            <a:off x="4757980" y="1166248"/>
+            <a:ext cx="3045417" cy="463012"/>
           </a:xfrm>
         </p:spPr>
         <p:txBody>
@@ -11160,7 +11160,7 @@
       </p:sp>
       <p:pic>
         <p:nvPicPr>
-          <p:cNvPr id="3" name="図 2"/>
+          <p:cNvPr id="7" name="図 6"/>
           <p:cNvPicPr>
             <a:picLocks noChangeAspect="1"/>
           </p:cNvPicPr>
@@ -11237,6 +11237,36 @@
           <a:chExt cx="0" cy="0"/>
         </a:xfrm>
       </p:grpSpPr>
+      <p:pic>
+        <p:nvPicPr>
+          <p:cNvPr id="7" name="図 6"/>
+          <p:cNvPicPr>
+            <a:picLocks noChangeAspect="1"/>
+          </p:cNvPicPr>
+          <p:nvPr/>
+        </p:nvPicPr>
+        <p:blipFill>
+          <a:blip r:embed="rId2" cstate="print">
+            <a:extLst>
+              <a:ext uri="{28A0092B-C50C-407E-A947-70E740481C1C}">
+                <a14:useLocalDpi xmlns:a14="http://schemas.microsoft.com/office/drawing/2010/main" val="0"/>
+              </a:ext>
+            </a:extLst>
+          </a:blip>
+          <a:stretch>
+            <a:fillRect/>
+          </a:stretch>
+        </p:blipFill>
+        <p:spPr>
+          <a:xfrm>
+            <a:off x="662400" y="1742400"/>
+            <a:ext cx="7820713" cy="4827600"/>
+          </a:xfrm>
+          <a:prstGeom prst="rect">
+            <a:avLst/>
+          </a:prstGeom>
+        </p:spPr>
+      </p:pic>
       <p:sp>
         <p:nvSpPr>
           <p:cNvPr id="2" name="タイトル 1"/>
@@ -11542,36 +11572,48 @@
           </a:p>
         </p:txBody>
       </p:sp>
-      <p:pic>
-        <p:nvPicPr>
-          <p:cNvPr id="3" name="図 2"/>
-          <p:cNvPicPr>
-            <a:picLocks noChangeAspect="1"/>
-          </p:cNvPicPr>
-          <p:nvPr/>
-        </p:nvPicPr>
-        <p:blipFill>
-          <a:blip r:embed="rId2" cstate="print">
-            <a:extLst>
-              <a:ext uri="{28A0092B-C50C-407E-A947-70E740481C1C}">
-                <a14:useLocalDpi xmlns:a14="http://schemas.microsoft.com/office/drawing/2010/main" val="0"/>
-              </a:ext>
-            </a:extLst>
-          </a:blip>
-          <a:stretch>
-            <a:fillRect/>
-          </a:stretch>
-        </p:blipFill>
+      <p:sp>
+        <p:nvSpPr>
+          <p:cNvPr id="11" name="コンテンツ プレースホルダー 2"/>
+          <p:cNvSpPr>
+            <a:spLocks noGrp="1"/>
+          </p:cNvSpPr>
+          <p:nvPr>
+            <p:ph idx="1"/>
+          </p:nvPr>
+        </p:nvSpPr>
         <p:spPr>
           <a:xfrm>
-            <a:off x="662400" y="1742400"/>
-            <a:ext cx="7820713" cy="4827600"/>
+            <a:off x="4757980" y="1166248"/>
+            <a:ext cx="3045417" cy="463012"/>
           </a:xfrm>
-          <a:prstGeom prst="rect">
-            <a:avLst/>
-          </a:prstGeom>
         </p:spPr>
-      </p:pic>
+        <p:txBody>
+          <a:bodyPr>
+            <a:noAutofit/>
+          </a:bodyPr>
+          <a:lstStyle/>
+          <a:p>
+            <a:r>
+              <a:rPr lang="en-US" altLang="ja-JP" sz="2000" dirty="0" smtClean="0"/>
+              <a:t>30</a:t>
+            </a:r>
+            <a:r>
+              <a:rPr lang="ja-JP" altLang="en-US" sz="2000" dirty="0" smtClean="0"/>
+              <a:t>代</a:t>
+            </a:r>
+            <a:r>
+              <a:rPr lang="en-US" altLang="ja-JP" sz="2000" dirty="0" smtClean="0"/>
+              <a:t>~50</a:t>
+            </a:r>
+            <a:r>
+              <a:rPr lang="ja-JP" altLang="en-US" sz="2000" dirty="0" smtClean="0"/>
+              <a:t>代が最も多い</a:t>
+            </a:r>
+            <a:endParaRPr kumimoji="1" lang="ja-JP" altLang="en-US" sz="2000" dirty="0"/>
+          </a:p>
+        </p:txBody>
+      </p:sp>
     </p:spTree>
     <p:extLst>
       <p:ext uri="{BB962C8B-B14F-4D97-AF65-F5344CB8AC3E}">
@@ -11638,7 +11680,11 @@
           <a:p>
             <a:r>
               <a:rPr kumimoji="1" lang="ja-JP" altLang="en-US" dirty="0" smtClean="0"/>
-              <a:t>曜日別の顧客数とスタッフ稼働率</a:t>
+              <a:t>スタッフ</a:t>
+            </a:r>
+            <a:r>
+              <a:rPr kumimoji="1" lang="ja-JP" altLang="en-US" dirty="0" smtClean="0"/>
+              <a:t>稼働率</a:t>
             </a:r>
             <a:endParaRPr kumimoji="1" lang="ja-JP" altLang="en-US" dirty="0"/>
           </a:p>
@@ -11718,22 +11764,28 @@
       </p:sp>
       <p:pic>
         <p:nvPicPr>
-          <p:cNvPr id="7" name="図 6"/>
+          <p:cNvPr id="3" name="図 2"/>
           <p:cNvPicPr>
             <a:picLocks noChangeAspect="1"/>
           </p:cNvPicPr>
           <p:nvPr/>
         </p:nvPicPr>
         <p:blipFill>
-          <a:blip r:embed="rId2"/>
+          <a:blip r:embed="rId2" cstate="print">
+            <a:extLst>
+              <a:ext uri="{28A0092B-C50C-407E-A947-70E740481C1C}">
+                <a14:useLocalDpi xmlns:a14="http://schemas.microsoft.com/office/drawing/2010/main" val="0"/>
+              </a:ext>
+            </a:extLst>
+          </a:blip>
           <a:stretch>
             <a:fillRect/>
           </a:stretch>
         </p:blipFill>
         <p:spPr>
           <a:xfrm>
-            <a:off x="457200" y="1711219"/>
-            <a:ext cx="7911885" cy="4882764"/>
+            <a:off x="662400" y="1742400"/>
+            <a:ext cx="7820713" cy="4827600"/>
           </a:xfrm>
           <a:prstGeom prst="rect">
             <a:avLst/>
@@ -12241,7 +12293,7 @@
         </p:nvSpPr>
         <p:spPr>
           <a:xfrm>
-            <a:off x="2906857" y="3125067"/>
+            <a:off x="2744125" y="2636871"/>
             <a:ext cx="974148" cy="787110"/>
           </a:xfrm>
           <a:prstGeom prst="downArrow">
@@ -12725,7 +12777,11 @@
             <a:pPr lvl="1"/>
             <a:r>
               <a:rPr lang="ja-JP" altLang="en-US" sz="2000" dirty="0" smtClean="0"/>
-              <a:t>データ詳細</a:t>
+              <a:t>データ</a:t>
+            </a:r>
+            <a:r>
+              <a:rPr lang="ja-JP" altLang="en-US" sz="2000" dirty="0"/>
+              <a:t>概要</a:t>
             </a:r>
             <a:endParaRPr lang="en-US" altLang="ja-JP" sz="2000" dirty="0" smtClean="0"/>
           </a:p>
@@ -12951,7 +13007,7 @@
           <a:p>
             <a:r>
               <a:rPr kumimoji="1" lang="ja-JP" altLang="en-US" dirty="0" smtClean="0"/>
-              <a:t>データセット</a:t>
+              <a:t>データ概要</a:t>
             </a:r>
             <a:endParaRPr kumimoji="1" lang="ja-JP" altLang="en-US" dirty="0"/>
           </a:p>
@@ -17104,6 +17160,20 @@
               <a:rPr lang="en-US" altLang="ja-JP" dirty="0" smtClean="0"/>
               <a:t>)</a:t>
             </a:r>
+          </a:p>
+          <a:p>
+            <a:r>
+              <a:rPr lang="ja-JP" altLang="en-US" dirty="0" smtClean="0"/>
+              <a:t>各店舗</a:t>
+            </a:r>
+            <a:r>
+              <a:rPr lang="ja-JP" altLang="en-US" dirty="0" smtClean="0"/>
+              <a:t>は最寄り駅で</a:t>
+            </a:r>
+            <a:r>
+              <a:rPr lang="ja-JP" altLang="en-US" dirty="0" smtClean="0"/>
+              <a:t>示す</a:t>
+            </a:r>
             <a:endParaRPr kumimoji="1" lang="ja-JP" altLang="en-US" dirty="0"/>
           </a:p>
         </p:txBody>
@@ -17350,8 +17420,8 @@
         </p:nvSpPr>
         <p:spPr>
           <a:xfrm>
-            <a:off x="4021810" y="925624"/>
-            <a:ext cx="4664990" cy="831888"/>
+            <a:off x="4254285" y="1170122"/>
+            <a:ext cx="4432515" cy="441701"/>
           </a:xfrm>
           <a:prstGeom prst="rect">
             <a:avLst/>
@@ -17359,7 +17429,7 @@
         </p:spPr>
         <p:txBody>
           <a:bodyPr vert="horz" rtlCol="0">
-            <a:normAutofit/>
+            <a:normAutofit fontScale="92500"/>
           </a:bodyPr>
           <a:lstStyle>
             <a:lvl1pPr marL="274320" indent="-274320" algn="l" rtl="0" eaLnBrk="1" latinLnBrk="0" hangingPunct="1">
@@ -17547,15 +17617,24 @@
           </a:lstStyle>
           <a:p>
             <a:r>
-              <a:rPr lang="ja-JP" altLang="en-US" sz="2000" dirty="0"/>
-              <a:t>メン中野店は来店間隔が短い</a:t>
-            </a:r>
-            <a:endParaRPr lang="en-US" altLang="ja-JP" sz="2000" dirty="0"/>
-          </a:p>
-          <a:p>
-            <a:r>
               <a:rPr lang="ja-JP" altLang="en-US" sz="2000" dirty="0" smtClean="0"/>
-              <a:t>その他の店舗は約三ヶ月間隔</a:t>
+              <a:t>施術</a:t>
+            </a:r>
+            <a:r>
+              <a:rPr lang="ja-JP" altLang="en-US" sz="2000" dirty="0" smtClean="0"/>
+              <a:t>の来店間隔</a:t>
+            </a:r>
+            <a:r>
+              <a:rPr lang="en-US" altLang="ja-JP" sz="2000" dirty="0" smtClean="0"/>
+              <a:t>(1000</a:t>
+            </a:r>
+            <a:r>
+              <a:rPr lang="ja-JP" altLang="en-US" sz="2000" dirty="0" smtClean="0"/>
+              <a:t>円以上の施術</a:t>
+            </a:r>
+            <a:r>
+              <a:rPr lang="en-US" altLang="ja-JP" sz="2000" dirty="0" smtClean="0"/>
+              <a:t>)</a:t>
             </a:r>
             <a:endParaRPr lang="en-US" altLang="ja-JP" sz="2000" dirty="0"/>
           </a:p>
@@ -17563,7 +17642,7 @@
       </p:sp>
       <p:pic>
         <p:nvPicPr>
-          <p:cNvPr id="9" name="図 8"/>
+          <p:cNvPr id="7" name="図 6"/>
           <p:cNvPicPr>
             <a:picLocks noChangeAspect="1"/>
           </p:cNvPicPr>
@@ -17677,8 +17756,8 @@
         </p:nvSpPr>
         <p:spPr>
           <a:xfrm>
-            <a:off x="4006311" y="889270"/>
-            <a:ext cx="4948435" cy="722554"/>
+            <a:off x="3773838" y="1168240"/>
+            <a:ext cx="5304895" cy="443584"/>
           </a:xfrm>
         </p:spPr>
         <p:txBody>
@@ -17688,8 +17767,8 @@
           <a:lstStyle/>
           <a:p>
             <a:r>
-              <a:rPr lang="ja-JP" altLang="en-US" sz="2000" dirty="0" smtClean="0"/>
-              <a:t>メン中野店を除いて二峰性の分布になっている。</a:t>
+              <a:rPr kumimoji="1" lang="ja-JP" altLang="en-US" sz="2000" dirty="0" smtClean="0"/>
+              <a:t>男性の分布と女性の分布の中心が異なる</a:t>
             </a:r>
             <a:endParaRPr kumimoji="1" lang="ja-JP" altLang="en-US" sz="2000" dirty="0"/>
           </a:p>
@@ -17769,7 +17848,7 @@
       </p:sp>
       <p:pic>
         <p:nvPicPr>
-          <p:cNvPr id="12" name="図 11"/>
+          <p:cNvPr id="7" name="図 6"/>
           <p:cNvPicPr>
             <a:picLocks noChangeAspect="1"/>
           </p:cNvPicPr>
